--- a/Step-by-step Guide to Intune Automated Reporting with Graph, Automation, and PowerBI.pptx
+++ b/Step-by-step Guide to Intune Automated Reporting with Graph, Automation, and PowerBI.pptx
@@ -5,10 +5,10 @@
     <p:sldMasterId id="2147483660" r:id="rId4"/>
   </p:sldMasterIdLst>
   <p:notesMasterIdLst>
-    <p:notesMasterId r:id="rId27"/>
+    <p:notesMasterId r:id="rId28"/>
   </p:notesMasterIdLst>
   <p:handoutMasterIdLst>
-    <p:handoutMasterId r:id="rId28"/>
+    <p:handoutMasterId r:id="rId29"/>
   </p:handoutMasterIdLst>
   <p:sldIdLst>
     <p:sldId id="3485" r:id="rId5"/>
@@ -24,15 +24,16 @@
     <p:sldId id="3453" r:id="rId15"/>
     <p:sldId id="3454" r:id="rId16"/>
     <p:sldId id="3455" r:id="rId17"/>
-    <p:sldId id="3457" r:id="rId18"/>
-    <p:sldId id="3458" r:id="rId19"/>
-    <p:sldId id="3459" r:id="rId20"/>
-    <p:sldId id="3460" r:id="rId21"/>
-    <p:sldId id="3461" r:id="rId22"/>
-    <p:sldId id="3462" r:id="rId23"/>
-    <p:sldId id="3463" r:id="rId24"/>
-    <p:sldId id="3478" r:id="rId25"/>
-    <p:sldId id="3480" r:id="rId26"/>
+    <p:sldId id="3486" r:id="rId18"/>
+    <p:sldId id="3457" r:id="rId19"/>
+    <p:sldId id="3458" r:id="rId20"/>
+    <p:sldId id="3459" r:id="rId21"/>
+    <p:sldId id="3460" r:id="rId22"/>
+    <p:sldId id="3461" r:id="rId23"/>
+    <p:sldId id="3462" r:id="rId24"/>
+    <p:sldId id="3463" r:id="rId25"/>
+    <p:sldId id="3478" r:id="rId26"/>
+    <p:sldId id="3480" r:id="rId27"/>
   </p:sldIdLst>
   <p:sldSz cx="12192000" cy="6858000"/>
   <p:notesSz cx="6858000" cy="9144000"/>
@@ -153,6 +154,7 @@
             <p14:sldId id="3453"/>
             <p14:sldId id="3454"/>
             <p14:sldId id="3455"/>
+            <p14:sldId id="3486"/>
             <p14:sldId id="3457"/>
             <p14:sldId id="3458"/>
             <p14:sldId id="3459"/>
@@ -197,6 +199,309 @@
 </p:cmAuthorLst>
 </file>
 
+<file path=ppt/revisionInfo.xml><?xml version="1.0" encoding="utf-8"?>
+<p1510:revInfo xmlns:a="http://schemas.openxmlformats.org/drawingml/2006/main" xmlns:r="http://schemas.openxmlformats.org/officeDocument/2006/relationships" xmlns:p1510="http://schemas.microsoft.com/office/powerpoint/2015/10/main">
+  <p1510:revLst>
+    <p1510:client id="{1693FC2C-F582-47DF-97A3-49FCAF89C90B}" v="124" dt="2024-03-24T18:16:40.417"/>
+  </p1510:revLst>
+</p1510:revInfo>
+</file>
+
+<file path=ppt/changesInfos/changesInfo1.xml><?xml version="1.0" encoding="utf-8"?>
+<pc:chgInfo xmlns:a="http://schemas.openxmlformats.org/drawingml/2006/main" xmlns:r="http://schemas.openxmlformats.org/officeDocument/2006/relationships" xmlns:ac="http://schemas.microsoft.com/office/drawing/2013/main/command" xmlns:pc="http://schemas.microsoft.com/office/powerpoint/2013/main/command">
+  <pc:docChgLst>
+    <pc:chgData name="Rafael Rifonas" userId="94d290cc-2453-44c4-abc1-22e0b49160c5" providerId="ADAL" clId="{DEECDD53-02F0-4447-B375-BC91E109D854}"/>
+    <pc:docChg chg="custSel addSld modSld modSection">
+      <pc:chgData name="Rafael Rifonas" userId="94d290cc-2453-44c4-abc1-22e0b49160c5" providerId="ADAL" clId="{DEECDD53-02F0-4447-B375-BC91E109D854}" dt="2024-02-14T16:01:01.621" v="263" actId="1037"/>
+      <pc:docMkLst>
+        <pc:docMk/>
+      </pc:docMkLst>
+      <pc:sldChg chg="addSp delSp modSp mod">
+        <pc:chgData name="Rafael Rifonas" userId="94d290cc-2453-44c4-abc1-22e0b49160c5" providerId="ADAL" clId="{DEECDD53-02F0-4447-B375-BC91E109D854}" dt="2024-02-14T14:47:04.368" v="3" actId="1076"/>
+        <pc:sldMkLst>
+          <pc:docMk/>
+          <pc:sldMk cId="2080891841" sldId="3450"/>
+        </pc:sldMkLst>
+        <pc:picChg chg="add mod">
+          <ac:chgData name="Rafael Rifonas" userId="94d290cc-2453-44c4-abc1-22e0b49160c5" providerId="ADAL" clId="{DEECDD53-02F0-4447-B375-BC91E109D854}" dt="2024-02-14T14:47:04.368" v="3" actId="1076"/>
+          <ac:picMkLst>
+            <pc:docMk/>
+            <pc:sldMk cId="2080891841" sldId="3450"/>
+            <ac:picMk id="4" creationId="{DEDB8408-C31A-3830-62F9-24985A1EDFD7}"/>
+          </ac:picMkLst>
+        </pc:picChg>
+        <pc:picChg chg="del">
+          <ac:chgData name="Rafael Rifonas" userId="94d290cc-2453-44c4-abc1-22e0b49160c5" providerId="ADAL" clId="{DEECDD53-02F0-4447-B375-BC91E109D854}" dt="2024-02-14T14:46:50.658" v="0" actId="478"/>
+          <ac:picMkLst>
+            <pc:docMk/>
+            <pc:sldMk cId="2080891841" sldId="3450"/>
+            <ac:picMk id="8" creationId="{6B338805-5C1F-41AB-B7C2-70CBCF28DF87}"/>
+          </ac:picMkLst>
+        </pc:picChg>
+      </pc:sldChg>
+      <pc:sldChg chg="addSp delSp modSp mod">
+        <pc:chgData name="Rafael Rifonas" userId="94d290cc-2453-44c4-abc1-22e0b49160c5" providerId="ADAL" clId="{DEECDD53-02F0-4447-B375-BC91E109D854}" dt="2024-02-14T15:03:43.592" v="6" actId="1076"/>
+        <pc:sldMkLst>
+          <pc:docMk/>
+          <pc:sldMk cId="4173104807" sldId="3451"/>
+        </pc:sldMkLst>
+        <pc:picChg chg="add mod">
+          <ac:chgData name="Rafael Rifonas" userId="94d290cc-2453-44c4-abc1-22e0b49160c5" providerId="ADAL" clId="{DEECDD53-02F0-4447-B375-BC91E109D854}" dt="2024-02-14T15:03:43.592" v="6" actId="1076"/>
+          <ac:picMkLst>
+            <pc:docMk/>
+            <pc:sldMk cId="4173104807" sldId="3451"/>
+            <ac:picMk id="4" creationId="{309DBCF4-85E0-A7ED-CB31-42077355B4DE}"/>
+          </ac:picMkLst>
+        </pc:picChg>
+        <pc:picChg chg="del">
+          <ac:chgData name="Rafael Rifonas" userId="94d290cc-2453-44c4-abc1-22e0b49160c5" providerId="ADAL" clId="{DEECDD53-02F0-4447-B375-BC91E109D854}" dt="2024-02-14T15:03:37.633" v="4" actId="478"/>
+          <ac:picMkLst>
+            <pc:docMk/>
+            <pc:sldMk cId="4173104807" sldId="3451"/>
+            <ac:picMk id="7" creationId="{1E0BD54A-8861-4D2B-9A79-85F6875AF675}"/>
+          </ac:picMkLst>
+        </pc:picChg>
+      </pc:sldChg>
+      <pc:sldChg chg="addSp delSp modSp mod">
+        <pc:chgData name="Rafael Rifonas" userId="94d290cc-2453-44c4-abc1-22e0b49160c5" providerId="ADAL" clId="{DEECDD53-02F0-4447-B375-BC91E109D854}" dt="2024-02-14T15:27:43.784" v="126" actId="20577"/>
+        <pc:sldMkLst>
+          <pc:docMk/>
+          <pc:sldMk cId="2289207865" sldId="3453"/>
+        </pc:sldMkLst>
+        <pc:spChg chg="mod">
+          <ac:chgData name="Rafael Rifonas" userId="94d290cc-2453-44c4-abc1-22e0b49160c5" providerId="ADAL" clId="{DEECDD53-02F0-4447-B375-BC91E109D854}" dt="2024-02-14T15:27:23.131" v="65" actId="20577"/>
+          <ac:spMkLst>
+            <pc:docMk/>
+            <pc:sldMk cId="2289207865" sldId="3453"/>
+            <ac:spMk id="2" creationId="{00000000-0000-0000-0000-000000000000}"/>
+          </ac:spMkLst>
+        </pc:spChg>
+        <pc:spChg chg="mod">
+          <ac:chgData name="Rafael Rifonas" userId="94d290cc-2453-44c4-abc1-22e0b49160c5" providerId="ADAL" clId="{DEECDD53-02F0-4447-B375-BC91E109D854}" dt="2024-02-14T15:27:43.784" v="126" actId="20577"/>
+          <ac:spMkLst>
+            <pc:docMk/>
+            <pc:sldMk cId="2289207865" sldId="3453"/>
+            <ac:spMk id="11" creationId="{F5710D38-EE7A-4C4E-A1DE-FB77610F6FE4}"/>
+          </ac:spMkLst>
+        </pc:spChg>
+        <pc:picChg chg="del">
+          <ac:chgData name="Rafael Rifonas" userId="94d290cc-2453-44c4-abc1-22e0b49160c5" providerId="ADAL" clId="{DEECDD53-02F0-4447-B375-BC91E109D854}" dt="2024-02-14T15:23:54.020" v="54" actId="478"/>
+          <ac:picMkLst>
+            <pc:docMk/>
+            <pc:sldMk cId="2289207865" sldId="3453"/>
+            <ac:picMk id="4" creationId="{044CFD5D-501B-4228-A017-46D2B05523E7}"/>
+          </ac:picMkLst>
+        </pc:picChg>
+        <pc:picChg chg="add mod">
+          <ac:chgData name="Rafael Rifonas" userId="94d290cc-2453-44c4-abc1-22e0b49160c5" providerId="ADAL" clId="{DEECDD53-02F0-4447-B375-BC91E109D854}" dt="2024-02-14T15:20:58.111" v="52" actId="692"/>
+          <ac:picMkLst>
+            <pc:docMk/>
+            <pc:sldMk cId="2289207865" sldId="3453"/>
+            <ac:picMk id="5" creationId="{0A4AA7F9-52E0-DE43-02EF-35FF2E6026C3}"/>
+          </ac:picMkLst>
+        </pc:picChg>
+        <pc:picChg chg="add mod">
+          <ac:chgData name="Rafael Rifonas" userId="94d290cc-2453-44c4-abc1-22e0b49160c5" providerId="ADAL" clId="{DEECDD53-02F0-4447-B375-BC91E109D854}" dt="2024-02-14T15:21:11.919" v="53" actId="692"/>
+          <ac:picMkLst>
+            <pc:docMk/>
+            <pc:sldMk cId="2289207865" sldId="3453"/>
+            <ac:picMk id="8" creationId="{09C5F118-9E50-9894-75C2-C504BD972606}"/>
+          </ac:picMkLst>
+        </pc:picChg>
+        <pc:picChg chg="del">
+          <ac:chgData name="Rafael Rifonas" userId="94d290cc-2453-44c4-abc1-22e0b49160c5" providerId="ADAL" clId="{DEECDD53-02F0-4447-B375-BC91E109D854}" dt="2024-02-14T15:14:43.236" v="42" actId="478"/>
+          <ac:picMkLst>
+            <pc:docMk/>
+            <pc:sldMk cId="2289207865" sldId="3453"/>
+            <ac:picMk id="10" creationId="{06E327D7-B03B-483D-BD67-A94BA9698351}"/>
+          </ac:picMkLst>
+        </pc:picChg>
+        <pc:picChg chg="add mod">
+          <ac:chgData name="Rafael Rifonas" userId="94d290cc-2453-44c4-abc1-22e0b49160c5" providerId="ADAL" clId="{DEECDD53-02F0-4447-B375-BC91E109D854}" dt="2024-02-14T15:24:05.656" v="57" actId="692"/>
+          <ac:picMkLst>
+            <pc:docMk/>
+            <pc:sldMk cId="2289207865" sldId="3453"/>
+            <ac:picMk id="12" creationId="{4CE576AC-FA30-DF40-79CC-6297778A767D}"/>
+          </ac:picMkLst>
+        </pc:picChg>
+      </pc:sldChg>
+      <pc:sldChg chg="addSp delSp modSp mod">
+        <pc:chgData name="Rafael Rifonas" userId="94d290cc-2453-44c4-abc1-22e0b49160c5" providerId="ADAL" clId="{DEECDD53-02F0-4447-B375-BC91E109D854}" dt="2024-02-14T15:41:31.087" v="132" actId="692"/>
+        <pc:sldMkLst>
+          <pc:docMk/>
+          <pc:sldMk cId="3710020761" sldId="3454"/>
+        </pc:sldMkLst>
+        <pc:picChg chg="del">
+          <ac:chgData name="Rafael Rifonas" userId="94d290cc-2453-44c4-abc1-22e0b49160c5" providerId="ADAL" clId="{DEECDD53-02F0-4447-B375-BC91E109D854}" dt="2024-02-14T15:40:39.416" v="127" actId="478"/>
+          <ac:picMkLst>
+            <pc:docMk/>
+            <pc:sldMk cId="3710020761" sldId="3454"/>
+            <ac:picMk id="6" creationId="{F9A23202-62F2-43BC-9C4F-B6AB510FF708}"/>
+          </ac:picMkLst>
+        </pc:picChg>
+        <pc:picChg chg="add mod">
+          <ac:chgData name="Rafael Rifonas" userId="94d290cc-2453-44c4-abc1-22e0b49160c5" providerId="ADAL" clId="{DEECDD53-02F0-4447-B375-BC91E109D854}" dt="2024-02-14T15:41:31.087" v="132" actId="692"/>
+          <ac:picMkLst>
+            <pc:docMk/>
+            <pc:sldMk cId="3710020761" sldId="3454"/>
+            <ac:picMk id="7" creationId="{2767E398-4B77-4463-70AA-03D4BF75CA5E}"/>
+          </ac:picMkLst>
+        </pc:picChg>
+      </pc:sldChg>
+      <pc:sldChg chg="modSp mod">
+        <pc:chgData name="Rafael Rifonas" userId="94d290cc-2453-44c4-abc1-22e0b49160c5" providerId="ADAL" clId="{DEECDD53-02F0-4447-B375-BC91E109D854}" dt="2024-02-14T15:54:07.102" v="148" actId="20577"/>
+        <pc:sldMkLst>
+          <pc:docMk/>
+          <pc:sldMk cId="10206447" sldId="3455"/>
+        </pc:sldMkLst>
+        <pc:spChg chg="mod">
+          <ac:chgData name="Rafael Rifonas" userId="94d290cc-2453-44c4-abc1-22e0b49160c5" providerId="ADAL" clId="{DEECDD53-02F0-4447-B375-BC91E109D854}" dt="2024-02-14T15:54:07.102" v="148" actId="20577"/>
+          <ac:spMkLst>
+            <pc:docMk/>
+            <pc:sldMk cId="10206447" sldId="3455"/>
+            <ac:spMk id="11" creationId="{F5710D38-EE7A-4C4E-A1DE-FB77610F6FE4}"/>
+          </ac:spMkLst>
+        </pc:spChg>
+      </pc:sldChg>
+      <pc:sldChg chg="addSp delSp modSp add mod">
+        <pc:chgData name="Rafael Rifonas" userId="94d290cc-2453-44c4-abc1-22e0b49160c5" providerId="ADAL" clId="{DEECDD53-02F0-4447-B375-BC91E109D854}" dt="2024-02-14T16:01:01.621" v="263" actId="1037"/>
+        <pc:sldMkLst>
+          <pc:docMk/>
+          <pc:sldMk cId="140116587" sldId="3486"/>
+        </pc:sldMkLst>
+        <pc:spChg chg="mod">
+          <ac:chgData name="Rafael Rifonas" userId="94d290cc-2453-44c4-abc1-22e0b49160c5" providerId="ADAL" clId="{DEECDD53-02F0-4447-B375-BC91E109D854}" dt="2024-02-14T15:52:13.709" v="135" actId="6549"/>
+          <ac:spMkLst>
+            <pc:docMk/>
+            <pc:sldMk cId="140116587" sldId="3486"/>
+            <ac:spMk id="2" creationId="{00000000-0000-0000-0000-000000000000}"/>
+          </ac:spMkLst>
+        </pc:spChg>
+        <pc:spChg chg="mod">
+          <ac:chgData name="Rafael Rifonas" userId="94d290cc-2453-44c4-abc1-22e0b49160c5" providerId="ADAL" clId="{DEECDD53-02F0-4447-B375-BC91E109D854}" dt="2024-02-14T15:54:51.110" v="207" actId="20577"/>
+          <ac:spMkLst>
+            <pc:docMk/>
+            <pc:sldMk cId="140116587" sldId="3486"/>
+            <ac:spMk id="11" creationId="{F5710D38-EE7A-4C4E-A1DE-FB77610F6FE4}"/>
+          </ac:spMkLst>
+        </pc:spChg>
+        <pc:spChg chg="mod">
+          <ac:chgData name="Rafael Rifonas" userId="94d290cc-2453-44c4-abc1-22e0b49160c5" providerId="ADAL" clId="{DEECDD53-02F0-4447-B375-BC91E109D854}" dt="2024-02-14T16:01:01.621" v="263" actId="1037"/>
+          <ac:spMkLst>
+            <pc:docMk/>
+            <pc:sldMk cId="140116587" sldId="3486"/>
+            <ac:spMk id="18" creationId="{7D2FF5A6-A9C5-4EC5-8CF6-8996C8942DC3}"/>
+          </ac:spMkLst>
+        </pc:spChg>
+        <pc:picChg chg="del">
+          <ac:chgData name="Rafael Rifonas" userId="94d290cc-2453-44c4-abc1-22e0b49160c5" providerId="ADAL" clId="{DEECDD53-02F0-4447-B375-BC91E109D854}" dt="2024-02-14T15:54:59.779" v="208" actId="478"/>
+          <ac:picMkLst>
+            <pc:docMk/>
+            <pc:sldMk cId="140116587" sldId="3486"/>
+            <ac:picMk id="4" creationId="{DA40E74E-76FC-4C84-ACBF-218C0881AA36}"/>
+          </ac:picMkLst>
+        </pc:picChg>
+        <pc:picChg chg="mod">
+          <ac:chgData name="Rafael Rifonas" userId="94d290cc-2453-44c4-abc1-22e0b49160c5" providerId="ADAL" clId="{DEECDD53-02F0-4447-B375-BC91E109D854}" dt="2024-02-14T16:01:01.621" v="263" actId="1037"/>
+          <ac:picMkLst>
+            <pc:docMk/>
+            <pc:sldMk cId="140116587" sldId="3486"/>
+            <ac:picMk id="5" creationId="{55EC7DED-E709-457B-B2BA-5B16637046D3}"/>
+          </ac:picMkLst>
+        </pc:picChg>
+        <pc:picChg chg="add mod">
+          <ac:chgData name="Rafael Rifonas" userId="94d290cc-2453-44c4-abc1-22e0b49160c5" providerId="ADAL" clId="{DEECDD53-02F0-4447-B375-BC91E109D854}" dt="2024-02-14T15:59:30.054" v="240" actId="1076"/>
+          <ac:picMkLst>
+            <pc:docMk/>
+            <pc:sldMk cId="140116587" sldId="3486"/>
+            <ac:picMk id="6" creationId="{E788A532-CF2B-B6CE-0F4D-C341ECD1BD74}"/>
+          </ac:picMkLst>
+        </pc:picChg>
+        <pc:picChg chg="add del mod">
+          <ac:chgData name="Rafael Rifonas" userId="94d290cc-2453-44c4-abc1-22e0b49160c5" providerId="ADAL" clId="{DEECDD53-02F0-4447-B375-BC91E109D854}" dt="2024-02-14T16:00:03.636" v="242" actId="478"/>
+          <ac:picMkLst>
+            <pc:docMk/>
+            <pc:sldMk cId="140116587" sldId="3486"/>
+            <ac:picMk id="8" creationId="{C1FE8882-592B-3535-84AD-9C95A4250A68}"/>
+          </ac:picMkLst>
+        </pc:picChg>
+        <pc:picChg chg="del">
+          <ac:chgData name="Rafael Rifonas" userId="94d290cc-2453-44c4-abc1-22e0b49160c5" providerId="ADAL" clId="{DEECDD53-02F0-4447-B375-BC91E109D854}" dt="2024-02-14T15:55:13.521" v="210" actId="478"/>
+          <ac:picMkLst>
+            <pc:docMk/>
+            <pc:sldMk cId="140116587" sldId="3486"/>
+            <ac:picMk id="12" creationId="{07CB1F45-1E40-4F2C-937C-FC54FE9C85B2}"/>
+          </ac:picMkLst>
+        </pc:picChg>
+        <pc:picChg chg="add mod">
+          <ac:chgData name="Rafael Rifonas" userId="94d290cc-2453-44c4-abc1-22e0b49160c5" providerId="ADAL" clId="{DEECDD53-02F0-4447-B375-BC91E109D854}" dt="2024-02-14T16:00:07.648" v="244" actId="1076"/>
+          <ac:picMkLst>
+            <pc:docMk/>
+            <pc:sldMk cId="140116587" sldId="3486"/>
+            <ac:picMk id="13" creationId="{79751DDB-935A-4089-24A5-BFA3B96566F8}"/>
+          </ac:picMkLst>
+        </pc:picChg>
+        <pc:cxnChg chg="del mod">
+          <ac:chgData name="Rafael Rifonas" userId="94d290cc-2453-44c4-abc1-22e0b49160c5" providerId="ADAL" clId="{DEECDD53-02F0-4447-B375-BC91E109D854}" dt="2024-02-14T15:55:12.578" v="209" actId="478"/>
+          <ac:cxnSpMkLst>
+            <pc:docMk/>
+            <pc:sldMk cId="140116587" sldId="3486"/>
+            <ac:cxnSpMk id="9" creationId="{64CCA1E9-C3F7-41A5-82D0-7CF673068206}"/>
+          </ac:cxnSpMkLst>
+        </pc:cxnChg>
+        <pc:cxnChg chg="add mod">
+          <ac:chgData name="Rafael Rifonas" userId="94d290cc-2453-44c4-abc1-22e0b49160c5" providerId="ADAL" clId="{DEECDD53-02F0-4447-B375-BC91E109D854}" dt="2024-02-14T16:00:46.127" v="247" actId="14100"/>
+          <ac:cxnSpMkLst>
+            <pc:docMk/>
+            <pc:sldMk cId="140116587" sldId="3486"/>
+            <ac:cxnSpMk id="14" creationId="{6E702EE4-709D-A77A-D3A3-F87E3EA76095}"/>
+          </ac:cxnSpMkLst>
+        </pc:cxnChg>
+      </pc:sldChg>
+    </pc:docChg>
+  </pc:docChgLst>
+  <pc:docChgLst>
+    <pc:chgData name="Rafael Rifonas" userId="8324ff3ee187f5ec" providerId="Windows Live" clId="Web-{1693FC2C-F582-47DF-97A3-49FCAF89C90B}"/>
+    <pc:docChg chg="modSld">
+      <pc:chgData name="Rafael Rifonas" userId="8324ff3ee187f5ec" providerId="Windows Live" clId="Web-{1693FC2C-F582-47DF-97A3-49FCAF89C90B}" dt="2024-03-24T18:16:40.417" v="68" actId="20577"/>
+      <pc:docMkLst>
+        <pc:docMk/>
+      </pc:docMkLst>
+      <pc:sldChg chg="modSp">
+        <pc:chgData name="Rafael Rifonas" userId="8324ff3ee187f5ec" providerId="Windows Live" clId="Web-{1693FC2C-F582-47DF-97A3-49FCAF89C90B}" dt="2024-03-24T18:08:05.769" v="6" actId="20577"/>
+        <pc:sldMkLst>
+          <pc:docMk/>
+          <pc:sldMk cId="2289207865" sldId="3453"/>
+        </pc:sldMkLst>
+        <pc:spChg chg="mod">
+          <ac:chgData name="Rafael Rifonas" userId="8324ff3ee187f5ec" providerId="Windows Live" clId="Web-{1693FC2C-F582-47DF-97A3-49FCAF89C90B}" dt="2024-03-24T18:08:05.769" v="6" actId="20577"/>
+          <ac:spMkLst>
+            <pc:docMk/>
+            <pc:sldMk cId="2289207865" sldId="3453"/>
+            <ac:spMk id="2" creationId="{00000000-0000-0000-0000-000000000000}"/>
+          </ac:spMkLst>
+        </pc:spChg>
+      </pc:sldChg>
+      <pc:sldChg chg="modSp">
+        <pc:chgData name="Rafael Rifonas" userId="8324ff3ee187f5ec" providerId="Windows Live" clId="Web-{1693FC2C-F582-47DF-97A3-49FCAF89C90B}" dt="2024-03-24T18:16:40.417" v="68" actId="20577"/>
+        <pc:sldMkLst>
+          <pc:docMk/>
+          <pc:sldMk cId="10206447" sldId="3455"/>
+        </pc:sldMkLst>
+        <pc:spChg chg="mod">
+          <ac:chgData name="Rafael Rifonas" userId="8324ff3ee187f5ec" providerId="Windows Live" clId="Web-{1693FC2C-F582-47DF-97A3-49FCAF89C90B}" dt="2024-03-24T18:16:40.417" v="68" actId="20577"/>
+          <ac:spMkLst>
+            <pc:docMk/>
+            <pc:sldMk cId="10206447" sldId="3455"/>
+            <ac:spMk id="11" creationId="{F5710D38-EE7A-4C4E-A1DE-FB77610F6FE4}"/>
+          </ac:spMkLst>
+        </pc:spChg>
+      </pc:sldChg>
+    </pc:docChg>
+  </pc:docChgLst>
+</pc:chgInfo>
+</file>
+
 <file path=ppt/handoutMasters/handoutMaster1.xml><?xml version="1.0" encoding="utf-8"?>
 <p:handoutMaster xmlns:a="http://schemas.openxmlformats.org/drawingml/2006/main" xmlns:r="http://schemas.openxmlformats.org/officeDocument/2006/relationships" xmlns:p="http://schemas.openxmlformats.org/presentationml/2006/main">
   <p:cSld>
@@ -279,7 +584,7 @@
           <a:p>
             <a:fld id="{80680FBE-A8DF-4758-9AC4-3A9E1039168F}" type="datetimeFigureOut">
               <a:rPr lang="en-US" smtClean="0"/>
-              <a:t>2/3/2021</a:t>
+              <a:t>3/24/2024</a:t>
             </a:fld>
             <a:endParaRPr lang="en-US" dirty="0"/>
           </a:p>
@@ -444,7 +749,7 @@
           <a:p>
             <a:fld id="{EC13577B-6902-467D-A26C-08A0DD5E4E03}" type="datetimeFigureOut">
               <a:rPr lang="en-US" smtClean="0"/>
-              <a:t>2/3/2021</a:t>
+              <a:t>3/24/2024</a:t>
             </a:fld>
             <a:endParaRPr lang="en-US" dirty="0"/>
           </a:p>
@@ -931,7 +1236,7 @@
           <a:p>
             <a:fld id="{386CE63F-9E7F-4C04-9D0D-FCA25A8E9E86}" type="datetime8">
               <a:rPr lang="en-US" smtClean="0"/>
-              <a:t>2/3/2021 12:13 AM</a:t>
+              <a:t>3/24/2024 11:04 AM</a:t>
             </a:fld>
             <a:endParaRPr lang="en-US"/>
           </a:p>
@@ -1103,7 +1408,7 @@
           <a:p>
             <a:fld id="{06C18626-F474-479E-937A-543AA55347B1}" type="datetime8">
               <a:rPr lang="en-US" smtClean="0"/>
-              <a:t>2/3/2021 12:13 AM</a:t>
+              <a:t>3/24/2024 11:04 AM</a:t>
             </a:fld>
             <a:endParaRPr lang="en-US"/>
           </a:p>
@@ -1344,7 +1649,7 @@
           <a:p>
             <a:fld id="{06C18626-F474-479E-937A-543AA55347B1}" type="datetime8">
               <a:rPr lang="en-US" smtClean="0"/>
-              <a:t>2/3/2021 12:13 AM</a:t>
+              <a:t>3/24/2024 11:04 AM</a:t>
             </a:fld>
             <a:endParaRPr lang="en-US"/>
           </a:p>
@@ -1593,7 +1898,7 @@
           <a:p>
             <a:fld id="{06C18626-F474-479E-937A-543AA55347B1}" type="datetime8">
               <a:rPr lang="en-US" smtClean="0"/>
-              <a:t>2/3/2021 12:13 AM</a:t>
+              <a:t>3/24/2024 11:04 AM</a:t>
             </a:fld>
             <a:endParaRPr lang="en-US"/>
           </a:p>
@@ -1765,7 +2070,15 @@
           <a:p>
             <a:r>
               <a:rPr lang="en-US" dirty="0"/>
-              <a:t>Our last step of setting up Azure Resources is to upload our runbooks into our Automation Account</a:t>
+              <a:t>*******Change this screenshot to say </a:t>
+            </a:r>
+            <a:r>
+              <a:rPr lang="en-US" dirty="0" err="1"/>
+              <a:t>GraphApi</a:t>
+            </a:r>
+            <a:r>
+              <a:rPr lang="en-US" dirty="0"/>
+              <a:t>************</a:t>
             </a:r>
           </a:p>
           <a:p>
@@ -1774,8 +2087,38 @@
           <a:p>
             <a:r>
               <a:rPr lang="en-US" dirty="0"/>
-              <a:t>These images display how to create a runbook, add a name and description, and specify the type as PowerShell (next slide)</a:t>
-            </a:r>
+              <a:t>In this step, we’ll be creating a credential within the Automation Account.</a:t>
+            </a:r>
+          </a:p>
+          <a:p>
+            <a:endParaRPr lang="en-US" dirty="0"/>
+          </a:p>
+          <a:p>
+            <a:r>
+              <a:rPr lang="en-US" dirty="0"/>
+              <a:t>Use the client ID and secret password you created in the App Registration. As mentioned, this is your “service account”</a:t>
+            </a:r>
+          </a:p>
+          <a:p>
+            <a:endParaRPr lang="en-US" dirty="0"/>
+          </a:p>
+          <a:p>
+            <a:r>
+              <a:rPr lang="en-US" dirty="0"/>
+              <a:t>This credential will be pulled into the runbook, and used to authenticate to Microsoft Graph</a:t>
+            </a:r>
+          </a:p>
+          <a:p>
+            <a:endParaRPr lang="en-US" dirty="0"/>
+          </a:p>
+          <a:p>
+            <a:r>
+              <a:rPr lang="en-US" dirty="0"/>
+              <a:t>When creating the credential, you may notice that the password is never shown in plan text (next slide)</a:t>
+            </a:r>
+          </a:p>
+          <a:p>
+            <a:endParaRPr lang="en-US" dirty="0"/>
           </a:p>
         </p:txBody>
       </p:sp>
@@ -1804,7 +2147,7 @@
           <a:p>
             <a:fld id="{06C18626-F474-479E-937A-543AA55347B1}" type="datetime8">
               <a:rPr lang="en-US" smtClean="0"/>
-              <a:t>2/3/2021 12:13 AM</a:t>
+              <a:t>3/24/2024 11:04 AM</a:t>
             </a:fld>
             <a:endParaRPr lang="en-US"/>
           </a:p>
@@ -1902,7 +2245,7 @@
     </p:spTree>
     <p:extLst>
       <p:ext uri="{BB962C8B-B14F-4D97-AF65-F5344CB8AC3E}">
-        <p14:creationId xmlns:p14="http://schemas.microsoft.com/office/powerpoint/2010/main" val="2360834260"/>
+        <p14:creationId xmlns:p14="http://schemas.microsoft.com/office/powerpoint/2010/main" val="4220643656"/>
       </p:ext>
     </p:extLst>
   </p:cSld>
@@ -1976,7 +2319,7 @@
           <a:p>
             <a:r>
               <a:rPr lang="en-US" dirty="0"/>
-              <a:t>Next we’ll copy all the content from our runbooks into the ‘Edit’ pane</a:t>
+              <a:t>Our last step of setting up Azure Resources is to upload our runbooks into our Automation Account</a:t>
             </a:r>
           </a:p>
           <a:p>
@@ -1985,7 +2328,7 @@
           <a:p>
             <a:r>
               <a:rPr lang="en-US" dirty="0"/>
-              <a:t>Once pasted, we’ll verify the runbook works as expected by selecting the ‘Test pane’ button at the top (next slide)</a:t>
+              <a:t>These images display how to create a runbook, add a name and description, and specify the type as PowerShell (next slide)</a:t>
             </a:r>
           </a:p>
         </p:txBody>
@@ -2015,7 +2358,7 @@
           <a:p>
             <a:fld id="{06C18626-F474-479E-937A-543AA55347B1}" type="datetime8">
               <a:rPr lang="en-US" smtClean="0"/>
-              <a:t>2/3/2021 12:13 AM</a:t>
+              <a:t>3/24/2024 11:04 AM</a:t>
             </a:fld>
             <a:endParaRPr lang="en-US"/>
           </a:p>
@@ -2113,7 +2456,7 @@
     </p:spTree>
     <p:extLst>
       <p:ext uri="{BB962C8B-B14F-4D97-AF65-F5344CB8AC3E}">
-        <p14:creationId xmlns:p14="http://schemas.microsoft.com/office/powerpoint/2010/main" val="3606940056"/>
+        <p14:creationId xmlns:p14="http://schemas.microsoft.com/office/powerpoint/2010/main" val="2360834260"/>
       </p:ext>
     </p:extLst>
   </p:cSld>
@@ -2187,7 +2530,7 @@
           <a:p>
             <a:r>
               <a:rPr lang="en-US" dirty="0"/>
-              <a:t>Once in the Test Pane view, we’ll click start and see that the runbook is executing</a:t>
+              <a:t>Next we’ll copy all the content from our runbooks into the ‘Edit’ pane</a:t>
             </a:r>
           </a:p>
           <a:p>
@@ -2196,7 +2539,7 @@
           <a:p>
             <a:r>
               <a:rPr lang="en-US" dirty="0"/>
-              <a:t>The image on the right shows a completed test and the output. If you are having issues with the script, the test pane is where you can troubleshoot (next slide)</a:t>
+              <a:t>Once pasted, we’ll verify the runbook works as expected by selecting the ‘Test pane’ button at the top (next slide)</a:t>
             </a:r>
           </a:p>
         </p:txBody>
@@ -2226,7 +2569,7 @@
           <a:p>
             <a:fld id="{06C18626-F474-479E-937A-543AA55347B1}" type="datetime8">
               <a:rPr lang="en-US" smtClean="0"/>
-              <a:t>2/3/2021 12:13 AM</a:t>
+              <a:t>3/24/2024 11:04 AM</a:t>
             </a:fld>
             <a:endParaRPr lang="en-US"/>
           </a:p>
@@ -2324,7 +2667,7 @@
     </p:spTree>
     <p:extLst>
       <p:ext uri="{BB962C8B-B14F-4D97-AF65-F5344CB8AC3E}">
-        <p14:creationId xmlns:p14="http://schemas.microsoft.com/office/powerpoint/2010/main" val="2664149144"/>
+        <p14:creationId xmlns:p14="http://schemas.microsoft.com/office/powerpoint/2010/main" val="3606940056"/>
       </p:ext>
     </p:extLst>
   </p:cSld>
@@ -2398,7 +2741,16 @@
           <a:p>
             <a:r>
               <a:rPr lang="en-US" dirty="0"/>
-              <a:t>After testing, select the ‘Publish’ button to finalize the runbook (next slide)</a:t>
+              <a:t>Once in the Test Pane view, we’ll click start and see that the runbook is executing</a:t>
+            </a:r>
+          </a:p>
+          <a:p>
+            <a:endParaRPr lang="en-US" dirty="0"/>
+          </a:p>
+          <a:p>
+            <a:r>
+              <a:rPr lang="en-US" dirty="0"/>
+              <a:t>The image on the right shows a completed test and the output. If you are having issues with the script, the test pane is where you can troubleshoot (next slide)</a:t>
             </a:r>
           </a:p>
         </p:txBody>
@@ -2428,7 +2780,7 @@
           <a:p>
             <a:fld id="{06C18626-F474-479E-937A-543AA55347B1}" type="datetime8">
               <a:rPr lang="en-US" smtClean="0"/>
-              <a:t>2/3/2021 12:13 AM</a:t>
+              <a:t>3/24/2024 11:04 AM</a:t>
             </a:fld>
             <a:endParaRPr lang="en-US"/>
           </a:p>
@@ -2600,25 +2952,7 @@
           <a:p>
             <a:r>
               <a:rPr lang="en-US" dirty="0"/>
-              <a:t>Now that we have a working runbook, we want to ensure it runs on a defined schedule</a:t>
-            </a:r>
-          </a:p>
-          <a:p>
-            <a:endParaRPr lang="en-US" dirty="0"/>
-          </a:p>
-          <a:p>
-            <a:r>
-              <a:rPr lang="en-US" dirty="0"/>
-              <a:t>While in the runbook, we can click the ‘link to schedule’ button</a:t>
-            </a:r>
-          </a:p>
-          <a:p>
-            <a:endParaRPr lang="en-US" dirty="0"/>
-          </a:p>
-          <a:p>
-            <a:r>
-              <a:rPr lang="en-US" dirty="0"/>
-              <a:t>In our example, we linked the runbooks to a recurring schedule that started on January 15, 2021 and runs at 3AM once every day (next slide)</a:t>
+              <a:t>After testing, select the ‘Publish’ button to finalize the runbook (next slide)</a:t>
             </a:r>
           </a:p>
         </p:txBody>
@@ -2648,7 +2982,7 @@
           <a:p>
             <a:fld id="{06C18626-F474-479E-937A-543AA55347B1}" type="datetime8">
               <a:rPr lang="en-US" smtClean="0"/>
-              <a:t>2/3/2021 12:13 AM</a:t>
+              <a:t>3/24/2024 11:04 AM</a:t>
             </a:fld>
             <a:endParaRPr lang="en-US"/>
           </a:p>
@@ -2746,7 +3080,7 @@
     </p:spTree>
     <p:extLst>
       <p:ext uri="{BB962C8B-B14F-4D97-AF65-F5344CB8AC3E}">
-        <p14:creationId xmlns:p14="http://schemas.microsoft.com/office/powerpoint/2010/main" val="2033050644"/>
+        <p14:creationId xmlns:p14="http://schemas.microsoft.com/office/powerpoint/2010/main" val="2664149144"/>
       </p:ext>
     </p:extLst>
   </p:cSld>
@@ -2820,7 +3154,7 @@
           <a:p>
             <a:r>
               <a:rPr lang="en-US" dirty="0"/>
-              <a:t>Now that we’ve gotten CSV data into the storage account, we want to pull that data into Power BI</a:t>
+              <a:t>Now that we have a working runbook, we want to ensure it runs on a defined schedule</a:t>
             </a:r>
           </a:p>
           <a:p>
@@ -2829,7 +3163,7 @@
           <a:p>
             <a:r>
               <a:rPr lang="en-US" dirty="0"/>
-              <a:t>Select ‘Get Data’ and search for Azure Blob Storage</a:t>
+              <a:t>While in the runbook, we can click the ‘link to schedule’ button</a:t>
             </a:r>
           </a:p>
           <a:p>
@@ -2838,16 +3172,7 @@
           <a:p>
             <a:r>
               <a:rPr lang="en-US" dirty="0"/>
-              <a:t>From your blob storage account, navigate to the ‘Properties’ node and grab the blob service URL</a:t>
-            </a:r>
-          </a:p>
-          <a:p>
-            <a:endParaRPr lang="en-US" dirty="0"/>
-          </a:p>
-          <a:p>
-            <a:r>
-              <a:rPr lang="en-US" dirty="0"/>
-              <a:t>Back in Power BI paste this URL so that we can connect to this storage account (next slide)</a:t>
+              <a:t>In our example, we linked the runbooks to a recurring schedule that started on January 15, 2021 and runs at 3AM once every day (next slide)</a:t>
             </a:r>
           </a:p>
         </p:txBody>
@@ -2877,7 +3202,7 @@
           <a:p>
             <a:fld id="{06C18626-F474-479E-937A-543AA55347B1}" type="datetime8">
               <a:rPr lang="en-US" smtClean="0"/>
-              <a:t>2/3/2021 12:13 AM</a:t>
+              <a:t>3/24/2024 11:04 AM</a:t>
             </a:fld>
             <a:endParaRPr lang="en-US"/>
           </a:p>
@@ -2975,7 +3300,7 @@
     </p:spTree>
     <p:extLst>
       <p:ext uri="{BB962C8B-B14F-4D97-AF65-F5344CB8AC3E}">
-        <p14:creationId xmlns:p14="http://schemas.microsoft.com/office/powerpoint/2010/main" val="2664149144"/>
+        <p14:creationId xmlns:p14="http://schemas.microsoft.com/office/powerpoint/2010/main" val="2033050644"/>
       </p:ext>
     </p:extLst>
   </p:cSld>
@@ -3049,7 +3374,7 @@
           <a:p>
             <a:r>
               <a:rPr lang="en-US" dirty="0"/>
-              <a:t>In order to authenticate, we also need to grab the access key from the storage account</a:t>
+              <a:t>Now that we’ve gotten CSV data into the storage account, we want to pull that data into Power BI</a:t>
             </a:r>
           </a:p>
           <a:p>
@@ -3058,7 +3383,7 @@
           <a:p>
             <a:r>
               <a:rPr lang="en-US" dirty="0"/>
-              <a:t>Copy the access key and paste into the ‘Account key’ tab</a:t>
+              <a:t>Select ‘Get Data’ and search for Azure Blob Storage</a:t>
             </a:r>
           </a:p>
           <a:p>
@@ -3067,7 +3392,16 @@
           <a:p>
             <a:r>
               <a:rPr lang="en-US" dirty="0"/>
-              <a:t>This will authenticate us into the storage account (next slide)</a:t>
+              <a:t>From your blob storage account, navigate to the ‘Properties’ node and grab the blob service URL</a:t>
+            </a:r>
+          </a:p>
+          <a:p>
+            <a:endParaRPr lang="en-US" dirty="0"/>
+          </a:p>
+          <a:p>
+            <a:r>
+              <a:rPr lang="en-US" dirty="0"/>
+              <a:t>Back in Power BI paste this URL so that we can connect to this storage account (next slide)</a:t>
             </a:r>
           </a:p>
         </p:txBody>
@@ -3097,7 +3431,7 @@
           <a:p>
             <a:fld id="{06C18626-F474-479E-937A-543AA55347B1}" type="datetime8">
               <a:rPr lang="en-US" smtClean="0"/>
-              <a:t>2/3/2021 12:13 AM</a:t>
+              <a:t>3/24/2024 11:04 AM</a:t>
             </a:fld>
             <a:endParaRPr lang="en-US"/>
           </a:p>
@@ -3195,7 +3529,7 @@
     </p:spTree>
     <p:extLst>
       <p:ext uri="{BB962C8B-B14F-4D97-AF65-F5344CB8AC3E}">
-        <p14:creationId xmlns:p14="http://schemas.microsoft.com/office/powerpoint/2010/main" val="846386086"/>
+        <p14:creationId xmlns:p14="http://schemas.microsoft.com/office/powerpoint/2010/main" val="2664149144"/>
       </p:ext>
     </p:extLst>
   </p:cSld>
@@ -3308,7 +3642,7 @@
           <a:p>
             <a:fld id="{06C18626-F474-479E-937A-543AA55347B1}" type="datetime8">
               <a:rPr lang="en-US" smtClean="0"/>
-              <a:t>2/3/2021 12:13 AM</a:t>
+              <a:t>3/24/2024 11:04 AM</a:t>
             </a:fld>
             <a:endParaRPr lang="en-US"/>
           </a:p>
@@ -3443,7 +3777,15 @@
             <p:ph type="sldImg"/>
           </p:nvPr>
         </p:nvSpPr>
-        <p:spPr/>
+        <p:spPr>
+          <a:xfrm>
+            <a:off x="381000" y="685800"/>
+            <a:ext cx="6096000" cy="3429000"/>
+          </a:xfrm>
+          <a:prstGeom prst="rect">
+            <a:avLst/>
+          </a:prstGeom>
+        </p:spPr>
       </p:sp>
       <p:sp>
         <p:nvSpPr>
@@ -3455,63 +3797,117 @@
             <p:ph type="body" idx="1"/>
           </p:nvPr>
         </p:nvSpPr>
-        <p:spPr/>
+        <p:spPr>
+          <a:xfrm>
+            <a:off x="685800" y="4343400"/>
+            <a:ext cx="5486400" cy="4114800"/>
+          </a:xfrm>
+          <a:prstGeom prst="rect">
+            <a:avLst/>
+          </a:prstGeom>
+        </p:spPr>
+        <p:txBody>
+          <a:bodyPr>
+            <a:normAutofit/>
+          </a:bodyPr>
+          <a:lstStyle/>
+          <a:p>
+            <a:r>
+              <a:rPr lang="en-US" dirty="0"/>
+              <a:t>In order to authenticate, we also need to grab the access key from the storage account</a:t>
+            </a:r>
+          </a:p>
+          <a:p>
+            <a:endParaRPr lang="en-US" dirty="0"/>
+          </a:p>
+          <a:p>
+            <a:r>
+              <a:rPr lang="en-US" dirty="0"/>
+              <a:t>Copy the access key and paste into the ‘Account key’ tab</a:t>
+            </a:r>
+          </a:p>
+          <a:p>
+            <a:endParaRPr lang="en-US" dirty="0"/>
+          </a:p>
+          <a:p>
+            <a:r>
+              <a:rPr lang="en-US" dirty="0"/>
+              <a:t>This will authenticate us into the storage account (next slide)</a:t>
+            </a:r>
+          </a:p>
+        </p:txBody>
+      </p:sp>
+      <p:sp>
+        <p:nvSpPr>
+          <p:cNvPr id="4" name="Date Placeholder 3"/>
+          <p:cNvSpPr>
+            <a:spLocks noGrp="1"/>
+          </p:cNvSpPr>
+          <p:nvPr>
+            <p:ph type="dt" idx="10"/>
+          </p:nvPr>
+        </p:nvSpPr>
+        <p:spPr>
+          <a:xfrm>
+            <a:off x="3884613" y="0"/>
+            <a:ext cx="2971800" cy="457200"/>
+          </a:xfrm>
+          <a:prstGeom prst="rect">
+            <a:avLst/>
+          </a:prstGeom>
+        </p:spPr>
         <p:txBody>
           <a:bodyPr/>
           <a:lstStyle/>
           <a:p>
-            <a:r>
-              <a:rPr lang="en-US" dirty="0"/>
-              <a:t>You will then see a list of all containers in the storage account.</a:t>
-            </a:r>
-          </a:p>
-          <a:p>
-            <a:endParaRPr lang="en-US" dirty="0"/>
-          </a:p>
-          <a:p>
-            <a:r>
-              <a:rPr lang="en-US" dirty="0"/>
-              <a:t>In this example, we’ve selected just the servicing ring and servicing ring snapshot containers</a:t>
-            </a:r>
-          </a:p>
-          <a:p>
-            <a:endParaRPr lang="en-US" dirty="0"/>
-          </a:p>
-          <a:p>
-            <a:r>
-              <a:rPr lang="en-US" dirty="0"/>
-              <a:t>Transforming the data is necessary in order to create the dashboards (next slide)</a:t>
-            </a:r>
-          </a:p>
-        </p:txBody>
-      </p:sp>
-      <p:sp>
-        <p:nvSpPr>
-          <p:cNvPr id="4" name="Header Placeholder 3"/>
+            <a:fld id="{06C18626-F474-479E-937A-543AA55347B1}" type="datetime8">
+              <a:rPr lang="en-US" smtClean="0"/>
+              <a:t>3/24/2024 11:04 AM</a:t>
+            </a:fld>
+            <a:endParaRPr lang="en-US"/>
+          </a:p>
+        </p:txBody>
+      </p:sp>
+      <p:sp>
+        <p:nvSpPr>
+          <p:cNvPr id="7" name="Slide Number Placeholder 6"/>
           <p:cNvSpPr>
             <a:spLocks noGrp="1"/>
           </p:cNvSpPr>
           <p:nvPr>
-            <p:ph type="hdr" sz="quarter"/>
-          </p:nvPr>
-        </p:nvSpPr>
-        <p:spPr/>
+            <p:ph type="sldNum" sz="quarter" idx="12"/>
+          </p:nvPr>
+        </p:nvSpPr>
+        <p:spPr>
+          <a:xfrm>
+            <a:off x="6172199" y="8685213"/>
+            <a:ext cx="684213" cy="457200"/>
+          </a:xfrm>
+          <a:prstGeom prst="rect">
+            <a:avLst/>
+          </a:prstGeom>
+        </p:spPr>
         <p:txBody>
           <a:bodyPr/>
           <a:lstStyle/>
           <a:p>
+            <a:fld id="{8B263312-38AA-4E1E-B2B5-0F8F122B24FE}" type="slidenum">
+              <a:rPr lang="en-US" smtClean="0"/>
+              <a:pPr/>
+              <a:t>21</a:t>
+            </a:fld>
             <a:endParaRPr lang="en-US"/>
           </a:p>
         </p:txBody>
       </p:sp>
       <p:sp>
         <p:nvSpPr>
-          <p:cNvPr id="5" name="Footer Placeholder 4"/>
+          <p:cNvPr id="6" name="Footer Placeholder 5"/>
           <p:cNvSpPr>
             <a:spLocks noGrp="1"/>
           </p:cNvSpPr>
           <p:nvPr>
-            <p:ph type="ftr" sz="quarter" idx="4"/>
+            <p:ph type="ftr" sz="quarter" idx="13"/>
           </p:nvPr>
         </p:nvSpPr>
         <p:spPr/>
@@ -3544,12 +3940,12 @@
       </p:sp>
       <p:sp>
         <p:nvSpPr>
-          <p:cNvPr id="6" name="Date Placeholder 5"/>
+          <p:cNvPr id="9" name="Header Placeholder 8"/>
           <p:cNvSpPr>
             <a:spLocks noGrp="1"/>
           </p:cNvSpPr>
           <p:nvPr>
-            <p:ph type="dt" idx="1"/>
+            <p:ph type="hdr" sz="quarter" idx="14"/>
           </p:nvPr>
         </p:nvSpPr>
         <p:spPr/>
@@ -3557,34 +3953,6 @@
           <a:bodyPr/>
           <a:lstStyle/>
           <a:p>
-            <a:fld id="{386CE63F-9E7F-4C04-9D0D-FCA25A8E9E86}" type="datetime8">
-              <a:rPr lang="en-US" smtClean="0"/>
-              <a:t>2/3/2021 12:13 AM</a:t>
-            </a:fld>
-            <a:endParaRPr lang="en-US"/>
-          </a:p>
-        </p:txBody>
-      </p:sp>
-      <p:sp>
-        <p:nvSpPr>
-          <p:cNvPr id="7" name="Slide Number Placeholder 6"/>
-          <p:cNvSpPr>
-            <a:spLocks noGrp="1"/>
-          </p:cNvSpPr>
-          <p:nvPr>
-            <p:ph type="sldNum" sz="quarter" idx="5"/>
-          </p:nvPr>
-        </p:nvSpPr>
-        <p:spPr/>
-        <p:txBody>
-          <a:bodyPr/>
-          <a:lstStyle/>
-          <a:p>
-            <a:fld id="{B4008EB6-D09E-4580-8CD6-DDB14511944F}" type="slidenum">
-              <a:rPr lang="en-US" smtClean="0"/>
-              <a:pPr/>
-              <a:t>21</a:t>
-            </a:fld>
             <a:endParaRPr lang="en-US"/>
           </a:p>
         </p:txBody>
@@ -3592,7 +3960,7 @@
     </p:spTree>
     <p:extLst>
       <p:ext uri="{BB962C8B-B14F-4D97-AF65-F5344CB8AC3E}">
-        <p14:creationId xmlns:p14="http://schemas.microsoft.com/office/powerpoint/2010/main" val="2776248515"/>
+        <p14:creationId xmlns:p14="http://schemas.microsoft.com/office/powerpoint/2010/main" val="846386086"/>
       </p:ext>
     </p:extLst>
   </p:cSld>
@@ -3648,7 +4016,7 @@
           <a:p>
             <a:r>
               <a:rPr lang="en-US" dirty="0"/>
-              <a:t>After transforming the data, we can verify that the data displays as expected</a:t>
+              <a:t>You will then see a list of all containers in the storage account.</a:t>
             </a:r>
           </a:p>
           <a:p>
@@ -3657,7 +4025,16 @@
           <a:p>
             <a:r>
               <a:rPr lang="en-US" dirty="0"/>
-              <a:t>Once verified, select close and apply (next slide)</a:t>
+              <a:t>In this example, we’ve selected just the servicing ring and servicing ring snapshot containers</a:t>
+            </a:r>
+          </a:p>
+          <a:p>
+            <a:endParaRPr lang="en-US" dirty="0"/>
+          </a:p>
+          <a:p>
+            <a:r>
+              <a:rPr lang="en-US" dirty="0"/>
+              <a:t>Transforming the data is necessary in order to create the dashboards (next slide)</a:t>
             </a:r>
           </a:p>
         </p:txBody>
@@ -3736,7 +4113,7 @@
           <a:p>
             <a:fld id="{386CE63F-9E7F-4C04-9D0D-FCA25A8E9E86}" type="datetime8">
               <a:rPr lang="en-US" smtClean="0"/>
-              <a:t>2/3/2021 12:13 AM</a:t>
+              <a:t>3/24/2024 11:04 AM</a:t>
             </a:fld>
             <a:endParaRPr lang="en-US"/>
           </a:p>
@@ -3761,6 +4138,183 @@
               <a:rPr lang="en-US" smtClean="0"/>
               <a:pPr/>
               <a:t>22</a:t>
+            </a:fld>
+            <a:endParaRPr lang="en-US"/>
+          </a:p>
+        </p:txBody>
+      </p:sp>
+    </p:spTree>
+    <p:extLst>
+      <p:ext uri="{BB962C8B-B14F-4D97-AF65-F5344CB8AC3E}">
+        <p14:creationId xmlns:p14="http://schemas.microsoft.com/office/powerpoint/2010/main" val="2776248515"/>
+      </p:ext>
+    </p:extLst>
+  </p:cSld>
+  <p:clrMapOvr>
+    <a:masterClrMapping/>
+  </p:clrMapOvr>
+</p:notes>
+</file>
+
+<file path=ppt/notesSlides/notesSlide22.xml><?xml version="1.0" encoding="utf-8"?>
+<p:notes xmlns:a="http://schemas.openxmlformats.org/drawingml/2006/main" xmlns:r="http://schemas.openxmlformats.org/officeDocument/2006/relationships" xmlns:p="http://schemas.openxmlformats.org/presentationml/2006/main">
+  <p:cSld>
+    <p:spTree>
+      <p:nvGrpSpPr>
+        <p:cNvPr id="1" name=""/>
+        <p:cNvGrpSpPr/>
+        <p:nvPr/>
+      </p:nvGrpSpPr>
+      <p:grpSpPr>
+        <a:xfrm>
+          <a:off x="0" y="0"/>
+          <a:ext cx="0" cy="0"/>
+          <a:chOff x="0" y="0"/>
+          <a:chExt cx="0" cy="0"/>
+        </a:xfrm>
+      </p:grpSpPr>
+      <p:sp>
+        <p:nvSpPr>
+          <p:cNvPr id="2" name="Slide Image Placeholder 1"/>
+          <p:cNvSpPr>
+            <a:spLocks noGrp="1" noRot="1" noChangeAspect="1"/>
+          </p:cNvSpPr>
+          <p:nvPr>
+            <p:ph type="sldImg"/>
+          </p:nvPr>
+        </p:nvSpPr>
+        <p:spPr/>
+      </p:sp>
+      <p:sp>
+        <p:nvSpPr>
+          <p:cNvPr id="3" name="Notes Placeholder 2"/>
+          <p:cNvSpPr>
+            <a:spLocks noGrp="1"/>
+          </p:cNvSpPr>
+          <p:nvPr>
+            <p:ph type="body" idx="1"/>
+          </p:nvPr>
+        </p:nvSpPr>
+        <p:spPr/>
+        <p:txBody>
+          <a:bodyPr/>
+          <a:lstStyle/>
+          <a:p>
+            <a:r>
+              <a:rPr lang="en-US" dirty="0"/>
+              <a:t>After transforming the data, we can verify that the data displays as expected</a:t>
+            </a:r>
+          </a:p>
+          <a:p>
+            <a:endParaRPr lang="en-US" dirty="0"/>
+          </a:p>
+          <a:p>
+            <a:r>
+              <a:rPr lang="en-US" dirty="0"/>
+              <a:t>Once verified, select close and apply (next slide)</a:t>
+            </a:r>
+          </a:p>
+        </p:txBody>
+      </p:sp>
+      <p:sp>
+        <p:nvSpPr>
+          <p:cNvPr id="4" name="Header Placeholder 3"/>
+          <p:cNvSpPr>
+            <a:spLocks noGrp="1"/>
+          </p:cNvSpPr>
+          <p:nvPr>
+            <p:ph type="hdr" sz="quarter"/>
+          </p:nvPr>
+        </p:nvSpPr>
+        <p:spPr/>
+        <p:txBody>
+          <a:bodyPr/>
+          <a:lstStyle/>
+          <a:p>
+            <a:endParaRPr lang="en-US"/>
+          </a:p>
+        </p:txBody>
+      </p:sp>
+      <p:sp>
+        <p:nvSpPr>
+          <p:cNvPr id="5" name="Footer Placeholder 4"/>
+          <p:cNvSpPr>
+            <a:spLocks noGrp="1"/>
+          </p:cNvSpPr>
+          <p:nvPr>
+            <p:ph type="ftr" sz="quarter" idx="4"/>
+          </p:nvPr>
+        </p:nvSpPr>
+        <p:spPr/>
+        <p:txBody>
+          <a:bodyPr/>
+          <a:lstStyle/>
+          <a:p>
+            <a:pPr defTabSz="914099" eaLnBrk="0" hangingPunct="0"/>
+            <a:r>
+              <a:rPr lang="en-US" sz="400">
+                <a:gradFill>
+                  <a:gsLst>
+                    <a:gs pos="0">
+                      <a:prstClr val="black"/>
+                    </a:gs>
+                    <a:gs pos="100000">
+                      <a:prstClr val="black"/>
+                    </a:gs>
+                  </a:gsLst>
+                  <a:lin ang="5400000" scaled="0"/>
+                </a:gradFill>
+                <a:latin typeface="Segoe UI" pitchFamily="34" charset="0"/>
+                <a:ea typeface="Segoe UI" pitchFamily="34" charset="0"/>
+                <a:cs typeface="Segoe UI" pitchFamily="34" charset="0"/>
+              </a:rPr>
+              <a:t>© Microsoft Corporation. All rights reserved. MICROSOFT MAKES NO WARRANTIES, EXPRESS, IMPLIED OR STATUTORY, AS TO THE INFORMATION IN THIS PRESENTATION.</a:t>
+            </a:r>
+          </a:p>
+        </p:txBody>
+      </p:sp>
+      <p:sp>
+        <p:nvSpPr>
+          <p:cNvPr id="6" name="Date Placeholder 5"/>
+          <p:cNvSpPr>
+            <a:spLocks noGrp="1"/>
+          </p:cNvSpPr>
+          <p:nvPr>
+            <p:ph type="dt" idx="1"/>
+          </p:nvPr>
+        </p:nvSpPr>
+        <p:spPr/>
+        <p:txBody>
+          <a:bodyPr/>
+          <a:lstStyle/>
+          <a:p>
+            <a:fld id="{386CE63F-9E7F-4C04-9D0D-FCA25A8E9E86}" type="datetime8">
+              <a:rPr lang="en-US" smtClean="0"/>
+              <a:t>3/24/2024 11:04 AM</a:t>
+            </a:fld>
+            <a:endParaRPr lang="en-US"/>
+          </a:p>
+        </p:txBody>
+      </p:sp>
+      <p:sp>
+        <p:nvSpPr>
+          <p:cNvPr id="7" name="Slide Number Placeholder 6"/>
+          <p:cNvSpPr>
+            <a:spLocks noGrp="1"/>
+          </p:cNvSpPr>
+          <p:nvPr>
+            <p:ph type="sldNum" sz="quarter" idx="5"/>
+          </p:nvPr>
+        </p:nvSpPr>
+        <p:spPr/>
+        <p:txBody>
+          <a:bodyPr/>
+          <a:lstStyle/>
+          <a:p>
+            <a:fld id="{B4008EB6-D09E-4580-8CD6-DDB14511944F}" type="slidenum">
+              <a:rPr lang="en-US" smtClean="0"/>
+              <a:pPr/>
+              <a:t>23</a:t>
             </a:fld>
             <a:endParaRPr lang="en-US"/>
           </a:p>
@@ -3900,7 +4454,7 @@
           <a:p>
             <a:fld id="{06C18626-F474-479E-937A-543AA55347B1}" type="datetime8">
               <a:rPr lang="en-US" smtClean="0"/>
-              <a:t>2/3/2021 12:13 AM</a:t>
+              <a:t>3/24/2024 11:04 AM</a:t>
             </a:fld>
             <a:endParaRPr lang="en-US"/>
           </a:p>
@@ -4129,7 +4683,7 @@
           <a:p>
             <a:fld id="{06C18626-F474-479E-937A-543AA55347B1}" type="datetime8">
               <a:rPr lang="en-US" smtClean="0"/>
-              <a:t>2/3/2021 12:13 AM</a:t>
+              <a:t>3/24/2024 11:04 AM</a:t>
             </a:fld>
             <a:endParaRPr lang="en-US"/>
           </a:p>
@@ -4349,7 +4903,7 @@
           <a:p>
             <a:fld id="{06C18626-F474-479E-937A-543AA55347B1}" type="datetime8">
               <a:rPr lang="en-US" smtClean="0"/>
-              <a:t>2/3/2021 12:13 AM</a:t>
+              <a:t>3/24/2024 11:04 AM</a:t>
             </a:fld>
             <a:endParaRPr lang="en-US"/>
           </a:p>
@@ -4560,7 +5114,7 @@
           <a:p>
             <a:fld id="{06C18626-F474-479E-937A-543AA55347B1}" type="datetime8">
               <a:rPr lang="en-US" smtClean="0"/>
-              <a:t>2/3/2021 12:13 AM</a:t>
+              <a:t>3/24/2024 11:04 AM</a:t>
             </a:fld>
             <a:endParaRPr lang="en-US"/>
           </a:p>
@@ -4771,7 +5325,7 @@
           <a:p>
             <a:fld id="{06C18626-F474-479E-937A-543AA55347B1}" type="datetime8">
               <a:rPr lang="en-US" smtClean="0"/>
-              <a:t>2/3/2021 12:13 AM</a:t>
+              <a:t>3/24/2024 11:04 AM</a:t>
             </a:fld>
             <a:endParaRPr lang="en-US"/>
           </a:p>
@@ -5033,7 +5587,7 @@
           <a:p>
             <a:fld id="{06C18626-F474-479E-937A-543AA55347B1}" type="datetime8">
               <a:rPr lang="en-US" smtClean="0"/>
-              <a:t>2/3/2021 12:13 AM</a:t>
+              <a:t>3/24/2024 11:04 AM</a:t>
             </a:fld>
             <a:endParaRPr lang="en-US"/>
           </a:p>
@@ -5253,7 +5807,7 @@
           <a:p>
             <a:fld id="{06C18626-F474-479E-937A-543AA55347B1}" type="datetime8">
               <a:rPr lang="en-US" smtClean="0"/>
-              <a:t>2/3/2021 12:13 AM</a:t>
+              <a:t>3/24/2024 11:04 AM</a:t>
             </a:fld>
             <a:endParaRPr lang="en-US"/>
           </a:p>
@@ -5800,7 +6354,7 @@
             <a:fld id="{8BEEBAAA-29B5-4AF5-BC5F-7E580C29002D}" type="datetimeFigureOut">
               <a:rPr lang="en-US" smtClean="0"/>
               <a:pPr/>
-              <a:t>2/3/2021</a:t>
+              <a:t>3/24/2024</a:t>
             </a:fld>
             <a:endParaRPr lang="en-US" dirty="0"/>
           </a:p>
@@ -6638,7 +7192,7 @@
             <a:fld id="{8BEEBAAA-29B5-4AF5-BC5F-7E580C29002D}" type="datetimeFigureOut">
               <a:rPr lang="en-US" smtClean="0"/>
               <a:pPr/>
-              <a:t>2/3/2021</a:t>
+              <a:t>3/24/2024</a:t>
             </a:fld>
             <a:endParaRPr lang="en-US" dirty="0"/>
           </a:p>
@@ -7845,19 +8399,180 @@
           <a:lstStyle/>
           <a:p>
             <a:r>
-              <a:rPr lang="en-US"/>
-              <a:t>STEP 4a: Set Up Azure Automation Account</a:t>
-            </a:r>
-            <a:endParaRPr lang="en-US" sz="2000"/>
+              <a:rPr lang="en-US" dirty="0"/>
+              <a:t>STEP 4a: Set Up Azure Automation Account (Automation)</a:t>
+            </a:r>
+            <a:endParaRPr lang="en-US" sz="2000" dirty="0"/>
+          </a:p>
+        </p:txBody>
+      </p:sp>
+      <p:sp>
+        <p:nvSpPr>
+          <p:cNvPr id="11" name="TextBox 10">
+            <a:extLst>
+              <a:ext uri="{FF2B5EF4-FFF2-40B4-BE49-F238E27FC236}">
+                <a16:creationId xmlns:a16="http://schemas.microsoft.com/office/drawing/2014/main" id="{F5710D38-EE7A-4C4E-A1DE-FB77610F6FE4}"/>
+              </a:ext>
+            </a:extLst>
+          </p:cNvPr>
+          <p:cNvSpPr txBox="1"/>
+          <p:nvPr/>
+        </p:nvSpPr>
+        <p:spPr>
+          <a:xfrm>
+            <a:off x="798124" y="1883389"/>
+            <a:ext cx="7690155" cy="1538883"/>
+          </a:xfrm>
+          <a:prstGeom prst="rect">
+            <a:avLst/>
+          </a:prstGeom>
+          <a:noFill/>
+        </p:spPr>
+        <p:txBody>
+          <a:bodyPr wrap="square" lIns="0" tIns="0" rIns="0" bIns="0" rtlCol="0" anchor="t">
+            <a:spAutoFit/>
+          </a:bodyPr>
+          <a:lstStyle/>
+          <a:p>
+            <a:pPr marL="457200" indent="-457200" algn="l">
+              <a:buFont typeface="+mj-lt"/>
+              <a:buAutoNum type="arabicPeriod"/>
+            </a:pPr>
+            <a:r>
+              <a:rPr lang="en-US" sz="2000" dirty="0">
+                <a:gradFill>
+                  <a:gsLst>
+                    <a:gs pos="2917">
+                      <a:schemeClr val="tx1"/>
+                    </a:gs>
+                    <a:gs pos="30000">
+                      <a:schemeClr val="tx1"/>
+                    </a:gs>
+                  </a:gsLst>
+                  <a:lin ang="5400000" scaled="0"/>
+                </a:gradFill>
+              </a:rPr>
+              <a:t>Create Azure Automation Account</a:t>
+            </a:r>
+          </a:p>
+          <a:p>
+            <a:pPr marL="914400" lvl="1" indent="-457200">
+              <a:buFont typeface="Arial" panose="020B0604020202020204" pitchFamily="34" charset="0"/>
+              <a:buChar char="•"/>
+            </a:pPr>
+            <a:r>
+              <a:rPr lang="en-US" sz="2000" dirty="0">
+                <a:gradFill>
+                  <a:gsLst>
+                    <a:gs pos="2917">
+                      <a:schemeClr val="tx1"/>
+                    </a:gs>
+                    <a:gs pos="30000">
+                      <a:schemeClr val="tx1"/>
+                    </a:gs>
+                  </a:gsLst>
+                  <a:lin ang="5400000" scaled="0"/>
+                </a:gradFill>
+              </a:rPr>
+              <a:t>Search for “Automation” in the Azure catalog</a:t>
+            </a:r>
+          </a:p>
+          <a:p>
+            <a:pPr marL="914383" lvl="1" indent="-457200">
+              <a:buFont typeface="Arial" panose="020B0604020202020204" pitchFamily="34" charset="0"/>
+              <a:buChar char="•"/>
+            </a:pPr>
+            <a:r>
+              <a:rPr lang="en-US" sz="2000" dirty="0">
+                <a:gradFill>
+                  <a:gsLst>
+                    <a:gs pos="2917">
+                      <a:schemeClr val="tx1"/>
+                    </a:gs>
+                    <a:gs pos="30000">
+                      <a:schemeClr val="tx1"/>
+                    </a:gs>
+                  </a:gsLst>
+                  <a:lin ang="5400000" scaled="0"/>
+                </a:gradFill>
+              </a:rPr>
+              <a:t>Be sure “System assigned” is selected as this is what will be used to connect to your storage account</a:t>
+            </a:r>
+          </a:p>
+          <a:p>
+            <a:pPr marL="457200" indent="-457200" algn="l">
+              <a:buFont typeface="+mj-lt"/>
+              <a:buAutoNum type="arabicPeriod"/>
+            </a:pPr>
+            <a:endParaRPr lang="en-US" sz="2000" dirty="0">
+              <a:gradFill>
+                <a:gsLst>
+                  <a:gs pos="2917">
+                    <a:schemeClr val="tx1"/>
+                  </a:gs>
+                  <a:gs pos="30000">
+                    <a:schemeClr val="tx1"/>
+                  </a:gs>
+                </a:gsLst>
+                <a:lin ang="5400000" scaled="0"/>
+              </a:gradFill>
+            </a:endParaRPr>
+          </a:p>
+        </p:txBody>
+      </p:sp>
+      <p:sp>
+        <p:nvSpPr>
+          <p:cNvPr id="6" name="TextBox 5">
+            <a:extLst>
+              <a:ext uri="{FF2B5EF4-FFF2-40B4-BE49-F238E27FC236}">
+                <a16:creationId xmlns:a16="http://schemas.microsoft.com/office/drawing/2014/main" id="{9AAE8F39-2270-4786-A9D1-116527D9571C}"/>
+              </a:ext>
+            </a:extLst>
+          </p:cNvPr>
+          <p:cNvSpPr txBox="1"/>
+          <p:nvPr/>
+        </p:nvSpPr>
+        <p:spPr>
+          <a:xfrm>
+            <a:off x="896096" y="3182779"/>
+            <a:ext cx="4620181" cy="246221"/>
+          </a:xfrm>
+          <a:prstGeom prst="rect">
+            <a:avLst/>
+          </a:prstGeom>
+          <a:noFill/>
+        </p:spPr>
+        <p:txBody>
+          <a:bodyPr wrap="square" lIns="0" tIns="0" rIns="0" bIns="0" rtlCol="0" anchor="t">
+            <a:spAutoFit/>
+          </a:bodyPr>
+          <a:lstStyle/>
+          <a:p>
+            <a:r>
+              <a:rPr lang="en-US" sz="1600">
+                <a:gradFill>
+                  <a:gsLst>
+                    <a:gs pos="2917">
+                      <a:schemeClr val="tx1"/>
+                    </a:gs>
+                    <a:gs pos="30000">
+                      <a:schemeClr val="tx1"/>
+                    </a:gs>
+                  </a:gsLst>
+                  <a:lin ang="5400000" scaled="0"/>
+                </a:gradFill>
+              </a:rPr>
+              <a:t>Runbook:</a:t>
+            </a:r>
           </a:p>
         </p:txBody>
       </p:sp>
       <p:pic>
         <p:nvPicPr>
-          <p:cNvPr id="10" name="Picture 9" descr="To schedule the automatic collection of Intune MSGraph data, you will use an automation account">
+          <p:cNvPr id="5" name="Picture 4">
             <a:extLst>
               <a:ext uri="{FF2B5EF4-FFF2-40B4-BE49-F238E27FC236}">
-                <a16:creationId xmlns:a16="http://schemas.microsoft.com/office/drawing/2014/main" id="{06E327D7-B03B-483D-BD67-A94BA9698351}"/>
+                <a16:creationId xmlns:a16="http://schemas.microsoft.com/office/drawing/2014/main" id="{0A4AA7F9-52E0-DE43-02EF-35FF2E6026C3}"/>
               </a:ext>
             </a:extLst>
           </p:cNvPr>
@@ -7874,8 +8589,8 @@
         </p:blipFill>
         <p:spPr>
           <a:xfrm>
-            <a:off x="9068271" y="1926931"/>
-            <a:ext cx="2638425" cy="3762375"/>
+            <a:off x="8568803" y="1442363"/>
+            <a:ext cx="3250447" cy="1986637"/>
           </a:xfrm>
           <a:prstGeom prst="rect">
             <a:avLst/>
@@ -7887,104 +8602,12 @@
           </a:ln>
         </p:spPr>
       </p:pic>
-      <p:sp>
-        <p:nvSpPr>
-          <p:cNvPr id="11" name="TextBox 10">
+      <p:pic>
+        <p:nvPicPr>
+          <p:cNvPr id="8" name="Picture 7">
             <a:extLst>
               <a:ext uri="{FF2B5EF4-FFF2-40B4-BE49-F238E27FC236}">
-                <a16:creationId xmlns:a16="http://schemas.microsoft.com/office/drawing/2014/main" id="{F5710D38-EE7A-4C4E-A1DE-FB77610F6FE4}"/>
-              </a:ext>
-            </a:extLst>
-          </p:cNvPr>
-          <p:cNvSpPr txBox="1"/>
-          <p:nvPr/>
-        </p:nvSpPr>
-        <p:spPr>
-          <a:xfrm>
-            <a:off x="798124" y="1883389"/>
-            <a:ext cx="7690155" cy="1231106"/>
-          </a:xfrm>
-          <a:prstGeom prst="rect">
-            <a:avLst/>
-          </a:prstGeom>
-          <a:noFill/>
-        </p:spPr>
-        <p:txBody>
-          <a:bodyPr wrap="square" lIns="0" tIns="0" rIns="0" bIns="0" rtlCol="0" anchor="t">
-            <a:spAutoFit/>
-          </a:bodyPr>
-          <a:lstStyle/>
-          <a:p>
-            <a:pPr marL="457200" indent="-457200" algn="l">
-              <a:buFont typeface="+mj-lt"/>
-              <a:buAutoNum type="arabicPeriod"/>
-            </a:pPr>
-            <a:r>
-              <a:rPr lang="en-US" sz="2000">
-                <a:gradFill>
-                  <a:gsLst>
-                    <a:gs pos="2917">
-                      <a:schemeClr val="tx1"/>
-                    </a:gs>
-                    <a:gs pos="30000">
-                      <a:schemeClr val="tx1"/>
-                    </a:gs>
-                  </a:gsLst>
-                  <a:lin ang="5400000" scaled="0"/>
-                </a:gradFill>
-              </a:rPr>
-              <a:t>Create Azure Automation Account</a:t>
-            </a:r>
-          </a:p>
-          <a:p>
-            <a:pPr marL="914383" lvl="1" indent="-457200">
-              <a:buFont typeface="Arial" panose="020B0604020202020204" pitchFamily="34" charset="0"/>
-              <a:buChar char="•"/>
-            </a:pPr>
-            <a:r>
-              <a:rPr lang="en-US" sz="2000">
-                <a:gradFill>
-                  <a:gsLst>
-                    <a:gs pos="2917">
-                      <a:schemeClr val="tx1"/>
-                    </a:gs>
-                    <a:gs pos="30000">
-                      <a:schemeClr val="tx1"/>
-                    </a:gs>
-                  </a:gsLst>
-                  <a:lin ang="5400000" scaled="0"/>
-                </a:gradFill>
-              </a:rPr>
-              <a:t>Be sure to select ‘Yes’ for the Azure Run As account as this is what will be used to connect to your storage account</a:t>
-            </a:r>
-          </a:p>
-          <a:p>
-            <a:pPr marL="457200" indent="-457200" algn="l">
-              <a:buFont typeface="+mj-lt"/>
-              <a:buAutoNum type="arabicPeriod"/>
-            </a:pPr>
-            <a:endParaRPr lang="en-US" sz="2000">
-              <a:gradFill>
-                <a:gsLst>
-                  <a:gs pos="2917">
-                    <a:schemeClr val="tx1"/>
-                  </a:gs>
-                  <a:gs pos="30000">
-                    <a:schemeClr val="tx1"/>
-                  </a:gs>
-                </a:gsLst>
-                <a:lin ang="5400000" scaled="0"/>
-              </a:gradFill>
-            </a:endParaRPr>
-          </a:p>
-        </p:txBody>
-      </p:sp>
-      <p:pic>
-        <p:nvPicPr>
-          <p:cNvPr id="4" name="Picture 3" descr="When creating the Automation account be sure to give it the capability of being used as a &quot;Run As&quot; account in the Automation Run book">
-            <a:extLst>
-              <a:ext uri="{FF2B5EF4-FFF2-40B4-BE49-F238E27FC236}">
-                <a16:creationId xmlns:a16="http://schemas.microsoft.com/office/drawing/2014/main" id="{044CFD5D-501B-4228-A017-46D2B05523E7}"/>
+                <a16:creationId xmlns:a16="http://schemas.microsoft.com/office/drawing/2014/main" id="{09C5F118-9E50-9894-75C2-C504BD972606}"/>
               </a:ext>
             </a:extLst>
           </p:cNvPr>
@@ -8001,8 +8624,43 @@
         </p:blipFill>
         <p:spPr>
           <a:xfrm>
-            <a:off x="798125" y="3429000"/>
-            <a:ext cx="5820766" cy="3042787"/>
+            <a:off x="8568803" y="3694781"/>
+            <a:ext cx="3217887" cy="1469231"/>
+          </a:xfrm>
+          <a:prstGeom prst="rect">
+            <a:avLst/>
+          </a:prstGeom>
+          <a:ln>
+            <a:solidFill>
+              <a:schemeClr val="accent1"/>
+            </a:solidFill>
+          </a:ln>
+        </p:spPr>
+      </p:pic>
+      <p:pic>
+        <p:nvPicPr>
+          <p:cNvPr id="12" name="Picture 11">
+            <a:extLst>
+              <a:ext uri="{FF2B5EF4-FFF2-40B4-BE49-F238E27FC236}">
+                <a16:creationId xmlns:a16="http://schemas.microsoft.com/office/drawing/2014/main" id="{4CE576AC-FA30-DF40-79CC-6297778A767D}"/>
+              </a:ext>
+            </a:extLst>
+          </p:cNvPr>
+          <p:cNvPicPr>
+            <a:picLocks noChangeAspect="1"/>
+          </p:cNvPicPr>
+          <p:nvPr/>
+        </p:nvPicPr>
+        <p:blipFill>
+          <a:blip r:embed="rId5"/>
+          <a:stretch>
+            <a:fillRect/>
+          </a:stretch>
+        </p:blipFill>
+        <p:spPr>
+          <a:xfrm>
+            <a:off x="896096" y="3631403"/>
+            <a:ext cx="2648086" cy="1187511"/>
           </a:xfrm>
           <a:prstGeom prst="rect">
             <a:avLst/>
@@ -8014,53 +8672,6 @@
           </a:ln>
         </p:spPr>
       </p:pic>
-      <p:sp>
-        <p:nvSpPr>
-          <p:cNvPr id="6" name="TextBox 5">
-            <a:extLst>
-              <a:ext uri="{FF2B5EF4-FFF2-40B4-BE49-F238E27FC236}">
-                <a16:creationId xmlns:a16="http://schemas.microsoft.com/office/drawing/2014/main" id="{9AAE8F39-2270-4786-A9D1-116527D9571C}"/>
-              </a:ext>
-            </a:extLst>
-          </p:cNvPr>
-          <p:cNvSpPr txBox="1"/>
-          <p:nvPr/>
-        </p:nvSpPr>
-        <p:spPr>
-          <a:xfrm>
-            <a:off x="896096" y="3182779"/>
-            <a:ext cx="4620181" cy="246221"/>
-          </a:xfrm>
-          <a:prstGeom prst="rect">
-            <a:avLst/>
-          </a:prstGeom>
-          <a:noFill/>
-        </p:spPr>
-        <p:txBody>
-          <a:bodyPr wrap="square" lIns="0" tIns="0" rIns="0" bIns="0" rtlCol="0" anchor="t">
-            <a:spAutoFit/>
-          </a:bodyPr>
-          <a:lstStyle/>
-          <a:p>
-            <a:r>
-              <a:rPr lang="en-US" sz="1600">
-                <a:gradFill>
-                  <a:gsLst>
-                    <a:gs pos="2917">
-                      <a:schemeClr val="tx1"/>
-                    </a:gs>
-                    <a:gs pos="30000">
-                      <a:schemeClr val="tx1"/>
-                    </a:gs>
-                  </a:gsLst>
-                  <a:lin ang="5400000" scaled="0"/>
-                </a:gradFill>
-              </a:rPr>
-              <a:t>Runbook:</a:t>
-            </a:r>
-          </a:p>
-        </p:txBody>
-      </p:sp>
     </p:spTree>
     <p:extLst>
       <p:ext uri="{BB962C8B-B14F-4D97-AF65-F5344CB8AC3E}">
@@ -8241,41 +8852,6 @@
       </p:sp>
       <p:pic>
         <p:nvPicPr>
-          <p:cNvPr id="6" name="Picture 5" descr="You will need to define variables on the automation account to make it easier to develop and run the actual run books needed for the solution. ">
-            <a:extLst>
-              <a:ext uri="{FF2B5EF4-FFF2-40B4-BE49-F238E27FC236}">
-                <a16:creationId xmlns:a16="http://schemas.microsoft.com/office/drawing/2014/main" id="{F9A23202-62F2-43BC-9C4F-B6AB510FF708}"/>
-              </a:ext>
-            </a:extLst>
-          </p:cNvPr>
-          <p:cNvPicPr>
-            <a:picLocks noChangeAspect="1"/>
-          </p:cNvPicPr>
-          <p:nvPr/>
-        </p:nvPicPr>
-        <p:blipFill>
-          <a:blip r:embed="rId3"/>
-          <a:stretch>
-            <a:fillRect/>
-          </a:stretch>
-        </p:blipFill>
-        <p:spPr>
-          <a:xfrm>
-            <a:off x="7304400" y="1586459"/>
-            <a:ext cx="4514850" cy="4724400"/>
-          </a:xfrm>
-          <a:prstGeom prst="rect">
-            <a:avLst/>
-          </a:prstGeom>
-          <a:ln>
-            <a:solidFill>
-              <a:schemeClr val="accent1"/>
-            </a:solidFill>
-          </a:ln>
-        </p:spPr>
-      </p:pic>
-      <p:pic>
-        <p:nvPicPr>
           <p:cNvPr id="3" name="Picture 2" descr="Note in the Run book - how we use the Automation variables to pull the subscription id, tenand id, resource group name and storage account name">
             <a:extLst>
               <a:ext uri="{FF2B5EF4-FFF2-40B4-BE49-F238E27FC236}">
@@ -8289,7 +8865,7 @@
           <p:nvPr/>
         </p:nvPicPr>
         <p:blipFill>
-          <a:blip r:embed="rId4"/>
+          <a:blip r:embed="rId3"/>
           <a:stretch>
             <a:fillRect/>
           </a:stretch>
@@ -8371,6 +8947,41 @@
           <p:nvPr/>
         </p:nvPicPr>
         <p:blipFill>
+          <a:blip r:embed="rId4"/>
+          <a:stretch>
+            <a:fillRect/>
+          </a:stretch>
+        </p:blipFill>
+        <p:spPr>
+          <a:xfrm>
+            <a:off x="324478" y="5339935"/>
+            <a:ext cx="6703575" cy="349665"/>
+          </a:xfrm>
+          <a:prstGeom prst="rect">
+            <a:avLst/>
+          </a:prstGeom>
+          <a:ln>
+            <a:solidFill>
+              <a:schemeClr val="accent1"/>
+            </a:solidFill>
+          </a:ln>
+        </p:spPr>
+      </p:pic>
+      <p:pic>
+        <p:nvPicPr>
+          <p:cNvPr id="7" name="Picture 6">
+            <a:extLst>
+              <a:ext uri="{FF2B5EF4-FFF2-40B4-BE49-F238E27FC236}">
+                <a16:creationId xmlns:a16="http://schemas.microsoft.com/office/drawing/2014/main" id="{2767E398-4B77-4463-70AA-03D4BF75CA5E}"/>
+              </a:ext>
+            </a:extLst>
+          </p:cNvPr>
+          <p:cNvPicPr>
+            <a:picLocks noChangeAspect="1"/>
+          </p:cNvPicPr>
+          <p:nvPr/>
+        </p:nvPicPr>
+        <p:blipFill>
           <a:blip r:embed="rId5"/>
           <a:stretch>
             <a:fillRect/>
@@ -8378,8 +8989,8 @@
         </p:blipFill>
         <p:spPr>
           <a:xfrm>
-            <a:off x="324478" y="5339935"/>
-            <a:ext cx="6703575" cy="349665"/>
+            <a:off x="7435927" y="1563714"/>
+            <a:ext cx="4045868" cy="3544314"/>
           </a:xfrm>
           <a:prstGeom prst="rect">
             <a:avLst/>
@@ -8456,10 +9067,10 @@
           <a:lstStyle/>
           <a:p>
             <a:r>
-              <a:rPr lang="en-US"/>
+              <a:rPr lang="en-US" dirty="0"/>
               <a:t>STEP 4c: Set Up Azure Automation Account </a:t>
             </a:r>
-            <a:endParaRPr lang="en-US" sz="2000"/>
+            <a:endParaRPr lang="en-US" sz="2000" dirty="0"/>
           </a:p>
         </p:txBody>
       </p:sp>
@@ -8478,7 +9089,7 @@
         <p:spPr>
           <a:xfrm>
             <a:off x="471552" y="1959588"/>
-            <a:ext cx="4620181" cy="307777"/>
+            <a:ext cx="4211573" cy="1846659"/>
           </a:xfrm>
           <a:prstGeom prst="rect">
             <a:avLst/>
@@ -8496,21 +9107,98 @@
               <a:buAutoNum type="arabicPeriod" startAt="3"/>
             </a:pPr>
             <a:r>
-              <a:rPr lang="en-US" sz="2000">
-                <a:gradFill>
-                  <a:gsLst>
-                    <a:gs pos="2917">
-                      <a:schemeClr val="tx1"/>
-                    </a:gs>
-                    <a:gs pos="30000">
-                      <a:schemeClr val="tx1"/>
-                    </a:gs>
-                  </a:gsLst>
-                  <a:lin ang="5400000" scaled="0"/>
-                </a:gradFill>
+              <a:rPr lang="en-US" sz="2000" dirty="0">
+                <a:cs typeface="Segoe UI"/>
               </a:rPr>
-              <a:t>Create Automation credential</a:t>
-            </a:r>
+              <a:t>Add the </a:t>
+            </a:r>
+            <a:r>
+              <a:rPr lang="en-US" sz="2000" dirty="0" err="1">
+                <a:cs typeface="Segoe UI"/>
+              </a:rPr>
+              <a:t>ClientId</a:t>
+            </a:r>
+            <a:r>
+              <a:rPr lang="en-US" sz="2000" dirty="0">
+                <a:cs typeface="Segoe UI"/>
+              </a:rPr>
+              <a:t> and Client Secret of the App Registration created on Step 1</a:t>
+            </a:r>
+          </a:p>
+          <a:p>
+            <a:pPr marL="914400" lvl="1" indent="-457200">
+              <a:buFont typeface="Courier New"/>
+              <a:buChar char="o"/>
+            </a:pPr>
+            <a:r>
+              <a:rPr lang="en-US" sz="2000" dirty="0">
+                <a:cs typeface="Segoe UI"/>
+              </a:rPr>
+              <a:t>User name: </a:t>
+            </a:r>
+            <a:r>
+              <a:rPr lang="en-US" sz="2000" dirty="0" err="1">
+                <a:cs typeface="Segoe UI"/>
+              </a:rPr>
+              <a:t>ClientId</a:t>
+            </a:r>
+            <a:endParaRPr lang="en-US" sz="2000" dirty="0" err="1">
+              <a:gradFill>
+                <a:gsLst>
+                  <a:gs pos="2917">
+                    <a:prstClr val="black"/>
+                  </a:gs>
+                  <a:gs pos="30000">
+                    <a:prstClr val="black"/>
+                  </a:gs>
+                </a:gsLst>
+                <a:lin ang="5400000" scaled="0"/>
+              </a:gradFill>
+              <a:cs typeface="Segoe UI"/>
+            </a:endParaRPr>
+          </a:p>
+          <a:p>
+            <a:pPr marL="914400" lvl="1" indent="-457200">
+              <a:buFont typeface="Courier New"/>
+              <a:buChar char="o"/>
+            </a:pPr>
+            <a:r>
+              <a:rPr lang="en-US" sz="2000" dirty="0">
+                <a:solidFill>
+                  <a:srgbClr val="000000"/>
+                </a:solidFill>
+                <a:cs typeface="Segoe UI"/>
+              </a:rPr>
+              <a:t>Password: </a:t>
+            </a:r>
+            <a:r>
+              <a:rPr lang="en-US" sz="2000" dirty="0" err="1">
+                <a:solidFill>
+                  <a:srgbClr val="000000"/>
+                </a:solidFill>
+                <a:cs typeface="Segoe UI"/>
+              </a:rPr>
+              <a:t>ClientSecret</a:t>
+            </a:r>
+          </a:p>
+          <a:p>
+            <a:pPr marL="457200" indent="-457200">
+              <a:buAutoNum type="arabicPeriod" startAt="3"/>
+            </a:pPr>
+            <a:endParaRPr lang="en-US" sz="2000" dirty="0">
+              <a:gradFill>
+                <a:gsLst>
+                  <a:gs pos="2917">
+                    <a:prstClr val="black"/>
+                  </a:gs>
+                  <a:gs pos="30000">
+                    <a:prstClr val="black"/>
+                  </a:gs>
+                </a:gsLst>
+                <a:lin ang="5400000" scaled="0"/>
+              </a:gradFill>
+              <a:cs typeface="Segoe UI"/>
+            </a:endParaRPr>
           </a:p>
         </p:txBody>
       </p:sp>
@@ -8770,6 +9458,314 @@
           <a:lstStyle/>
           <a:p>
             <a:r>
+              <a:rPr lang="en-US" dirty="0"/>
+              <a:t>STEP 4d: Set Up Azure Automation Account </a:t>
+            </a:r>
+            <a:endParaRPr lang="en-US" sz="2000" dirty="0"/>
+          </a:p>
+        </p:txBody>
+      </p:sp>
+      <p:sp>
+        <p:nvSpPr>
+          <p:cNvPr id="11" name="TextBox 10">
+            <a:extLst>
+              <a:ext uri="{FF2B5EF4-FFF2-40B4-BE49-F238E27FC236}">
+                <a16:creationId xmlns:a16="http://schemas.microsoft.com/office/drawing/2014/main" id="{F5710D38-EE7A-4C4E-A1DE-FB77610F6FE4}"/>
+              </a:ext>
+            </a:extLst>
+          </p:cNvPr>
+          <p:cNvSpPr txBox="1"/>
+          <p:nvPr/>
+        </p:nvSpPr>
+        <p:spPr>
+          <a:xfrm>
+            <a:off x="471552" y="1959588"/>
+            <a:ext cx="4620181" cy="615553"/>
+          </a:xfrm>
+          <a:prstGeom prst="rect">
+            <a:avLst/>
+          </a:prstGeom>
+          <a:noFill/>
+        </p:spPr>
+        <p:txBody>
+          <a:bodyPr wrap="square" lIns="0" tIns="0" rIns="0" bIns="0" rtlCol="0" anchor="t">
+            <a:spAutoFit/>
+          </a:bodyPr>
+          <a:lstStyle/>
+          <a:p>
+            <a:pPr marL="457200" indent="-457200">
+              <a:buFont typeface="+mj-lt"/>
+              <a:buAutoNum type="arabicPeriod" startAt="4"/>
+            </a:pPr>
+            <a:r>
+              <a:rPr lang="en-US" sz="2000" dirty="0">
+                <a:gradFill>
+                  <a:gsLst>
+                    <a:gs pos="2917">
+                      <a:schemeClr val="tx1"/>
+                    </a:gs>
+                    <a:gs pos="30000">
+                      <a:schemeClr val="tx1"/>
+                    </a:gs>
+                  </a:gsLst>
+                  <a:lin ang="5400000" scaled="0"/>
+                </a:gradFill>
+              </a:rPr>
+              <a:t>Assign permissions to the Subscription and Storage Account</a:t>
+            </a:r>
+          </a:p>
+        </p:txBody>
+      </p:sp>
+      <p:sp>
+        <p:nvSpPr>
+          <p:cNvPr id="18" name="TextBox 17">
+            <a:extLst>
+              <a:ext uri="{FF2B5EF4-FFF2-40B4-BE49-F238E27FC236}">
+                <a16:creationId xmlns:a16="http://schemas.microsoft.com/office/drawing/2014/main" id="{7D2FF5A6-A9C5-4EC5-8CF6-8996C8942DC3}"/>
+              </a:ext>
+            </a:extLst>
+          </p:cNvPr>
+          <p:cNvSpPr txBox="1"/>
+          <p:nvPr/>
+        </p:nvSpPr>
+        <p:spPr>
+          <a:xfrm>
+            <a:off x="1066140" y="5085341"/>
+            <a:ext cx="4620181" cy="246221"/>
+          </a:xfrm>
+          <a:prstGeom prst="rect">
+            <a:avLst/>
+          </a:prstGeom>
+          <a:noFill/>
+        </p:spPr>
+        <p:txBody>
+          <a:bodyPr wrap="square" lIns="0" tIns="0" rIns="0" bIns="0" rtlCol="0" anchor="t">
+            <a:spAutoFit/>
+          </a:bodyPr>
+          <a:lstStyle/>
+          <a:p>
+            <a:r>
+              <a:rPr lang="en-US" sz="1600" dirty="0">
+                <a:gradFill>
+                  <a:gsLst>
+                    <a:gs pos="2917">
+                      <a:schemeClr val="tx1"/>
+                    </a:gs>
+                    <a:gs pos="30000">
+                      <a:schemeClr val="tx1"/>
+                    </a:gs>
+                  </a:gsLst>
+                  <a:lin ang="5400000" scaled="0"/>
+                </a:gradFill>
+              </a:rPr>
+              <a:t>Runbook:</a:t>
+            </a:r>
+          </a:p>
+        </p:txBody>
+      </p:sp>
+      <p:pic>
+        <p:nvPicPr>
+          <p:cNvPr id="5" name="Picture 4" descr="PowerShell script showing Graph API credential usage">
+            <a:extLst>
+              <a:ext uri="{FF2B5EF4-FFF2-40B4-BE49-F238E27FC236}">
+                <a16:creationId xmlns:a16="http://schemas.microsoft.com/office/drawing/2014/main" id="{55EC7DED-E709-457B-B2BA-5B16637046D3}"/>
+              </a:ext>
+            </a:extLst>
+          </p:cNvPr>
+          <p:cNvPicPr>
+            <a:picLocks noChangeAspect="1"/>
+          </p:cNvPicPr>
+          <p:nvPr/>
+        </p:nvPicPr>
+        <p:blipFill>
+          <a:blip r:embed="rId3"/>
+          <a:stretch>
+            <a:fillRect/>
+          </a:stretch>
+        </p:blipFill>
+        <p:spPr>
+          <a:xfrm>
+            <a:off x="445589" y="5386797"/>
+            <a:ext cx="8788852" cy="914447"/>
+          </a:xfrm>
+          <a:prstGeom prst="rect">
+            <a:avLst/>
+          </a:prstGeom>
+        </p:spPr>
+      </p:pic>
+      <p:pic>
+        <p:nvPicPr>
+          <p:cNvPr id="6" name="Picture 5">
+            <a:extLst>
+              <a:ext uri="{FF2B5EF4-FFF2-40B4-BE49-F238E27FC236}">
+                <a16:creationId xmlns:a16="http://schemas.microsoft.com/office/drawing/2014/main" id="{E788A532-CF2B-B6CE-0F4D-C341ECD1BD74}"/>
+              </a:ext>
+            </a:extLst>
+          </p:cNvPr>
+          <p:cNvPicPr>
+            <a:picLocks noChangeAspect="1"/>
+          </p:cNvPicPr>
+          <p:nvPr/>
+        </p:nvPicPr>
+        <p:blipFill>
+          <a:blip r:embed="rId4"/>
+          <a:stretch>
+            <a:fillRect/>
+          </a:stretch>
+        </p:blipFill>
+        <p:spPr>
+          <a:xfrm>
+            <a:off x="1201584" y="2630376"/>
+            <a:ext cx="2924084" cy="2087258"/>
+          </a:xfrm>
+          <a:prstGeom prst="rect">
+            <a:avLst/>
+          </a:prstGeom>
+        </p:spPr>
+      </p:pic>
+      <p:pic>
+        <p:nvPicPr>
+          <p:cNvPr id="13" name="Picture 12">
+            <a:extLst>
+              <a:ext uri="{FF2B5EF4-FFF2-40B4-BE49-F238E27FC236}">
+                <a16:creationId xmlns:a16="http://schemas.microsoft.com/office/drawing/2014/main" id="{79751DDB-935A-4089-24A5-BFA3B96566F8}"/>
+              </a:ext>
+            </a:extLst>
+          </p:cNvPr>
+          <p:cNvPicPr>
+            <a:picLocks noChangeAspect="1"/>
+          </p:cNvPicPr>
+          <p:nvPr/>
+        </p:nvPicPr>
+        <p:blipFill>
+          <a:blip r:embed="rId5"/>
+          <a:stretch>
+            <a:fillRect/>
+          </a:stretch>
+        </p:blipFill>
+        <p:spPr>
+          <a:xfrm>
+            <a:off x="4930313" y="2630376"/>
+            <a:ext cx="5169166" cy="2178162"/>
+          </a:xfrm>
+          <a:prstGeom prst="rect">
+            <a:avLst/>
+          </a:prstGeom>
+        </p:spPr>
+      </p:pic>
+      <p:cxnSp>
+        <p:nvCxnSpPr>
+          <p:cNvPr id="14" name="Straight Arrow Connector 13">
+            <a:extLst>
+              <a:ext uri="{FF2B5EF4-FFF2-40B4-BE49-F238E27FC236}">
+                <a16:creationId xmlns:a16="http://schemas.microsoft.com/office/drawing/2014/main" id="{6E702EE4-709D-A77A-D3A3-F87E3EA76095}"/>
+              </a:ext>
+              <a:ext uri="{C183D7F6-B498-43B3-948B-1728B52AA6E4}">
+                <adec:decorative xmlns:adec="http://schemas.microsoft.com/office/drawing/2017/decorative" val="1"/>
+              </a:ext>
+            </a:extLst>
+          </p:cNvPr>
+          <p:cNvCxnSpPr>
+            <a:cxnSpLocks/>
+          </p:cNvCxnSpPr>
+          <p:nvPr/>
+        </p:nvCxnSpPr>
+        <p:spPr>
+          <a:xfrm>
+            <a:off x="4125668" y="3837629"/>
+            <a:ext cx="804645" cy="0"/>
+          </a:xfrm>
+          <a:prstGeom prst="straightConnector1">
+            <a:avLst/>
+          </a:prstGeom>
+          <a:ln>
+            <a:solidFill>
+              <a:schemeClr val="accent3"/>
+            </a:solidFill>
+            <a:headEnd type="none" w="lg" len="med"/>
+            <a:tailEnd type="triangle"/>
+          </a:ln>
+        </p:spPr>
+        <p:style>
+          <a:lnRef idx="1">
+            <a:schemeClr val="accent1"/>
+          </a:lnRef>
+          <a:fillRef idx="0">
+            <a:schemeClr val="accent1"/>
+          </a:fillRef>
+          <a:effectRef idx="0">
+            <a:schemeClr val="accent1"/>
+          </a:effectRef>
+          <a:fontRef idx="minor">
+            <a:schemeClr val="tx1"/>
+          </a:fontRef>
+        </p:style>
+      </p:cxnSp>
+    </p:spTree>
+    <p:extLst>
+      <p:ext uri="{BB962C8B-B14F-4D97-AF65-F5344CB8AC3E}">
+        <p14:creationId xmlns:p14="http://schemas.microsoft.com/office/powerpoint/2010/main" val="140116587"/>
+      </p:ext>
+    </p:extLst>
+  </p:cSld>
+  <p:clrMapOvr>
+    <a:masterClrMapping/>
+  </p:clrMapOvr>
+  <mc:AlternateContent xmlns:mc="http://schemas.openxmlformats.org/markup-compatibility/2006" xmlns:p14="http://schemas.microsoft.com/office/powerpoint/2010/main">
+    <mc:Choice Requires="p14">
+      <p:transition spd="med" p14:dur="700">
+        <p:fade/>
+      </p:transition>
+    </mc:Choice>
+    <mc:Fallback xmlns="">
+      <p:transition spd="med">
+        <p:fade/>
+      </p:transition>
+    </mc:Fallback>
+  </mc:AlternateContent>
+</p:sld>
+</file>
+
+<file path=ppt/slides/slide15.xml><?xml version="1.0" encoding="utf-8"?>
+<p:sld xmlns:a="http://schemas.openxmlformats.org/drawingml/2006/main" xmlns:r="http://schemas.openxmlformats.org/officeDocument/2006/relationships" xmlns:p="http://schemas.openxmlformats.org/presentationml/2006/main">
+  <p:cSld>
+    <p:spTree>
+      <p:nvGrpSpPr>
+        <p:cNvPr id="1" name=""/>
+        <p:cNvGrpSpPr/>
+        <p:nvPr/>
+      </p:nvGrpSpPr>
+      <p:grpSpPr>
+        <a:xfrm>
+          <a:off x="0" y="0"/>
+          <a:ext cx="0" cy="0"/>
+          <a:chOff x="0" y="0"/>
+          <a:chExt cx="0" cy="0"/>
+        </a:xfrm>
+      </p:grpSpPr>
+      <p:sp>
+        <p:nvSpPr>
+          <p:cNvPr id="2" name="Title 1"/>
+          <p:cNvSpPr>
+            <a:spLocks noGrp="1"/>
+          </p:cNvSpPr>
+          <p:nvPr>
+            <p:ph type="title"/>
+          </p:nvPr>
+        </p:nvSpPr>
+        <p:spPr>
+          <a:xfrm>
+            <a:off x="798125" y="547141"/>
+            <a:ext cx="11021125" cy="553998"/>
+          </a:xfrm>
+        </p:spPr>
+        <p:txBody>
+          <a:bodyPr>
+            <a:normAutofit/>
+          </a:bodyPr>
+          <a:lstStyle/>
+          <a:p>
+            <a:r>
               <a:rPr lang="en-US"/>
               <a:t>STEP 5a: Set Up Azure Automation Runbooks </a:t>
             </a:r>
@@ -8966,13 +9962,13 @@
   <p:clrMapOvr>
     <a:masterClrMapping/>
   </p:clrMapOvr>
-  <mc:AlternateContent xmlns:mc="http://schemas.openxmlformats.org/markup-compatibility/2006">
-    <mc:Choice xmlns:p14="http://schemas.microsoft.com/office/powerpoint/2010/main" Requires="p14">
+  <mc:AlternateContent xmlns:mc="http://schemas.openxmlformats.org/markup-compatibility/2006" xmlns:p14="http://schemas.microsoft.com/office/powerpoint/2010/main">
+    <mc:Choice Requires="p14">
       <p:transition spd="med" p14:dur="700">
         <p:fade/>
       </p:transition>
     </mc:Choice>
-    <mc:Fallback>
+    <mc:Fallback xmlns="">
       <p:transition spd="med">
         <p:fade/>
       </p:transition>
@@ -8981,7 +9977,7 @@
 </p:sld>
 </file>
 
-<file path=ppt/slides/slide15.xml><?xml version="1.0" encoding="utf-8"?>
+<file path=ppt/slides/slide16.xml><?xml version="1.0" encoding="utf-8"?>
 <p:sld xmlns:a="http://schemas.openxmlformats.org/drawingml/2006/main" xmlns:r="http://schemas.openxmlformats.org/officeDocument/2006/relationships" xmlns:p="http://schemas.openxmlformats.org/presentationml/2006/main">
   <p:cSld>
     <p:spTree>
@@ -9176,7 +10172,7 @@
 </p:sld>
 </file>
 
-<file path=ppt/slides/slide16.xml><?xml version="1.0" encoding="utf-8"?>
+<file path=ppt/slides/slide17.xml><?xml version="1.0" encoding="utf-8"?>
 <p:sld xmlns:a="http://schemas.openxmlformats.org/drawingml/2006/main" xmlns:r="http://schemas.openxmlformats.org/officeDocument/2006/relationships" xmlns:p="http://schemas.openxmlformats.org/presentationml/2006/main">
   <p:cSld>
     <p:spTree>
@@ -9492,7 +10488,7 @@
 </p:sld>
 </file>
 
-<file path=ppt/slides/slide17.xml><?xml version="1.0" encoding="utf-8"?>
+<file path=ppt/slides/slide18.xml><?xml version="1.0" encoding="utf-8"?>
 <p:sld xmlns:a="http://schemas.openxmlformats.org/drawingml/2006/main" xmlns:r="http://schemas.openxmlformats.org/officeDocument/2006/relationships" xmlns:p="http://schemas.openxmlformats.org/presentationml/2006/main">
   <p:cSld>
     <p:spTree>
@@ -9685,7 +10681,7 @@
 </p:sld>
 </file>
 
-<file path=ppt/slides/slide18.xml><?xml version="1.0" encoding="utf-8"?>
+<file path=ppt/slides/slide19.xml><?xml version="1.0" encoding="utf-8"?>
 <p:sld xmlns:a="http://schemas.openxmlformats.org/drawingml/2006/main" xmlns:r="http://schemas.openxmlformats.org/officeDocument/2006/relationships" xmlns:p="http://schemas.openxmlformats.org/presentationml/2006/main">
   <p:cSld>
     <p:spTree>
@@ -10371,495 +11367,6 @@
 </p:sld>
 </file>
 
-<file path=ppt/slides/slide19.xml><?xml version="1.0" encoding="utf-8"?>
-<p:sld xmlns:a="http://schemas.openxmlformats.org/drawingml/2006/main" xmlns:r="http://schemas.openxmlformats.org/officeDocument/2006/relationships" xmlns:p="http://schemas.openxmlformats.org/presentationml/2006/main">
-  <p:cSld>
-    <p:spTree>
-      <p:nvGrpSpPr>
-        <p:cNvPr id="1" name=""/>
-        <p:cNvGrpSpPr/>
-        <p:nvPr/>
-      </p:nvGrpSpPr>
-      <p:grpSpPr>
-        <a:xfrm>
-          <a:off x="0" y="0"/>
-          <a:ext cx="0" cy="0"/>
-          <a:chOff x="0" y="0"/>
-          <a:chExt cx="0" cy="0"/>
-        </a:xfrm>
-      </p:grpSpPr>
-      <p:sp>
-        <p:nvSpPr>
-          <p:cNvPr id="2" name="Title 1"/>
-          <p:cNvSpPr>
-            <a:spLocks noGrp="1"/>
-          </p:cNvSpPr>
-          <p:nvPr>
-            <p:ph type="title"/>
-          </p:nvPr>
-        </p:nvSpPr>
-        <p:spPr>
-          <a:xfrm>
-            <a:off x="798125" y="547141"/>
-            <a:ext cx="11021125" cy="553998"/>
-          </a:xfrm>
-        </p:spPr>
-        <p:txBody>
-          <a:bodyPr>
-            <a:normAutofit/>
-          </a:bodyPr>
-          <a:lstStyle/>
-          <a:p>
-            <a:r>
-              <a:rPr lang="en-US"/>
-              <a:t>STEP 6a: Launch </a:t>
-            </a:r>
-            <a:r>
-              <a:rPr lang="en-US" err="1"/>
-              <a:t>PowerBI</a:t>
-            </a:r>
-            <a:r>
-              <a:rPr lang="en-US"/>
-              <a:t> Desktop and Get Data</a:t>
-            </a:r>
-            <a:endParaRPr lang="en-US" sz="2000"/>
-          </a:p>
-        </p:txBody>
-      </p:sp>
-      <p:sp>
-        <p:nvSpPr>
-          <p:cNvPr id="11" name="TextBox 10">
-            <a:extLst>
-              <a:ext uri="{FF2B5EF4-FFF2-40B4-BE49-F238E27FC236}">
-                <a16:creationId xmlns:a16="http://schemas.microsoft.com/office/drawing/2014/main" id="{F5710D38-EE7A-4C4E-A1DE-FB77610F6FE4}"/>
-              </a:ext>
-            </a:extLst>
-          </p:cNvPr>
-          <p:cNvSpPr txBox="1"/>
-          <p:nvPr/>
-        </p:nvSpPr>
-        <p:spPr>
-          <a:xfrm>
-            <a:off x="798125" y="1735318"/>
-            <a:ext cx="5369211" cy="3877985"/>
-          </a:xfrm>
-          <a:prstGeom prst="rect">
-            <a:avLst/>
-          </a:prstGeom>
-          <a:noFill/>
-        </p:spPr>
-        <p:txBody>
-          <a:bodyPr wrap="square" lIns="0" tIns="0" rIns="0" bIns="0" rtlCol="0" anchor="t">
-            <a:spAutoFit/>
-          </a:bodyPr>
-          <a:lstStyle/>
-          <a:p>
-            <a:pPr marL="457200" indent="-457200">
-              <a:buFont typeface="+mj-lt"/>
-              <a:buAutoNum type="arabicPeriod"/>
-            </a:pPr>
-            <a:r>
-              <a:rPr lang="en-US" sz="1800">
-                <a:gradFill>
-                  <a:gsLst>
-                    <a:gs pos="2917">
-                      <a:schemeClr val="tx1"/>
-                    </a:gs>
-                    <a:gs pos="30000">
-                      <a:schemeClr val="tx1"/>
-                    </a:gs>
-                  </a:gsLst>
-                  <a:lin ang="5400000" scaled="0"/>
-                </a:gradFill>
-              </a:rPr>
-              <a:t>From PowerBI/Get Data – select Azure Blob</a:t>
-            </a:r>
-          </a:p>
-          <a:p>
-            <a:pPr marL="457200" indent="-457200">
-              <a:buFont typeface="+mj-lt"/>
-              <a:buAutoNum type="arabicPeriod"/>
-            </a:pPr>
-            <a:endParaRPr lang="en-US" sz="1800">
-              <a:gradFill>
-                <a:gsLst>
-                  <a:gs pos="2917">
-                    <a:schemeClr val="tx1"/>
-                  </a:gs>
-                  <a:gs pos="30000">
-                    <a:schemeClr val="tx1"/>
-                  </a:gs>
-                </a:gsLst>
-                <a:lin ang="5400000" scaled="0"/>
-              </a:gradFill>
-            </a:endParaRPr>
-          </a:p>
-          <a:p>
-            <a:pPr marL="457200" indent="-457200">
-              <a:buFont typeface="+mj-lt"/>
-              <a:buAutoNum type="arabicPeriod"/>
-            </a:pPr>
-            <a:endParaRPr lang="en-US" sz="1800">
-              <a:gradFill>
-                <a:gsLst>
-                  <a:gs pos="2917">
-                    <a:schemeClr val="tx1"/>
-                  </a:gs>
-                  <a:gs pos="30000">
-                    <a:schemeClr val="tx1"/>
-                  </a:gs>
-                </a:gsLst>
-                <a:lin ang="5400000" scaled="0"/>
-              </a:gradFill>
-            </a:endParaRPr>
-          </a:p>
-          <a:p>
-            <a:pPr marL="457200" indent="-457200">
-              <a:buFont typeface="+mj-lt"/>
-              <a:buAutoNum type="arabicPeriod"/>
-            </a:pPr>
-            <a:endParaRPr lang="en-US" sz="1800">
-              <a:gradFill>
-                <a:gsLst>
-                  <a:gs pos="2917">
-                    <a:schemeClr val="tx1"/>
-                  </a:gs>
-                  <a:gs pos="30000">
-                    <a:schemeClr val="tx1"/>
-                  </a:gs>
-                </a:gsLst>
-                <a:lin ang="5400000" scaled="0"/>
-              </a:gradFill>
-            </a:endParaRPr>
-          </a:p>
-          <a:p>
-            <a:pPr marL="457200" indent="-457200">
-              <a:buFont typeface="+mj-lt"/>
-              <a:buAutoNum type="arabicPeriod"/>
-            </a:pPr>
-            <a:endParaRPr lang="en-US" sz="1800">
-              <a:gradFill>
-                <a:gsLst>
-                  <a:gs pos="2917">
-                    <a:schemeClr val="tx1"/>
-                  </a:gs>
-                  <a:gs pos="30000">
-                    <a:schemeClr val="tx1"/>
-                  </a:gs>
-                </a:gsLst>
-                <a:lin ang="5400000" scaled="0"/>
-              </a:gradFill>
-            </a:endParaRPr>
-          </a:p>
-          <a:p>
-            <a:pPr marL="457200" indent="-457200">
-              <a:buFont typeface="+mj-lt"/>
-              <a:buAutoNum type="arabicPeriod"/>
-            </a:pPr>
-            <a:endParaRPr lang="en-US" sz="1800">
-              <a:gradFill>
-                <a:gsLst>
-                  <a:gs pos="2917">
-                    <a:schemeClr val="tx1"/>
-                  </a:gs>
-                  <a:gs pos="30000">
-                    <a:schemeClr val="tx1"/>
-                  </a:gs>
-                </a:gsLst>
-                <a:lin ang="5400000" scaled="0"/>
-              </a:gradFill>
-            </a:endParaRPr>
-          </a:p>
-          <a:p>
-            <a:pPr marL="457200" indent="-457200">
-              <a:buFont typeface="+mj-lt"/>
-              <a:buAutoNum type="arabicPeriod"/>
-            </a:pPr>
-            <a:r>
-              <a:rPr lang="en-US" sz="1800">
-                <a:gradFill>
-                  <a:gsLst>
-                    <a:gs pos="2917">
-                      <a:schemeClr val="tx1"/>
-                    </a:gs>
-                    <a:gs pos="30000">
-                      <a:schemeClr val="tx1"/>
-                    </a:gs>
-                  </a:gsLst>
-                  <a:lin ang="5400000" scaled="0"/>
-                </a:gradFill>
-              </a:rPr>
-              <a:t>Get the Azure Blob Storage Account Endpoint</a:t>
-            </a:r>
-          </a:p>
-          <a:p>
-            <a:pPr marL="457200" indent="-457200">
-              <a:buFont typeface="+mj-lt"/>
-              <a:buAutoNum type="arabicPeriod"/>
-            </a:pPr>
-            <a:endParaRPr lang="en-US" sz="1800">
-              <a:gradFill>
-                <a:gsLst>
-                  <a:gs pos="2917">
-                    <a:schemeClr val="tx1"/>
-                  </a:gs>
-                  <a:gs pos="30000">
-                    <a:schemeClr val="tx1"/>
-                  </a:gs>
-                </a:gsLst>
-                <a:lin ang="5400000" scaled="0"/>
-              </a:gradFill>
-            </a:endParaRPr>
-          </a:p>
-          <a:p>
-            <a:pPr marL="457200" indent="-457200">
-              <a:buFont typeface="+mj-lt"/>
-              <a:buAutoNum type="arabicPeriod"/>
-            </a:pPr>
-            <a:endParaRPr lang="en-US" sz="1800">
-              <a:gradFill>
-                <a:gsLst>
-                  <a:gs pos="2917">
-                    <a:schemeClr val="tx1"/>
-                  </a:gs>
-                  <a:gs pos="30000">
-                    <a:schemeClr val="tx1"/>
-                  </a:gs>
-                </a:gsLst>
-                <a:lin ang="5400000" scaled="0"/>
-              </a:gradFill>
-            </a:endParaRPr>
-          </a:p>
-          <a:p>
-            <a:pPr marL="457200" indent="-457200">
-              <a:buFont typeface="+mj-lt"/>
-              <a:buAutoNum type="arabicPeriod"/>
-            </a:pPr>
-            <a:endParaRPr lang="en-US" sz="1800">
-              <a:gradFill>
-                <a:gsLst>
-                  <a:gs pos="2917">
-                    <a:schemeClr val="tx1"/>
-                  </a:gs>
-                  <a:gs pos="30000">
-                    <a:schemeClr val="tx1"/>
-                  </a:gs>
-                </a:gsLst>
-                <a:lin ang="5400000" scaled="0"/>
-              </a:gradFill>
-            </a:endParaRPr>
-          </a:p>
-          <a:p>
-            <a:pPr marL="457200" indent="-457200">
-              <a:buFont typeface="+mj-lt"/>
-              <a:buAutoNum type="arabicPeriod"/>
-            </a:pPr>
-            <a:endParaRPr lang="en-US" sz="1800">
-              <a:gradFill>
-                <a:gsLst>
-                  <a:gs pos="2917">
-                    <a:schemeClr val="tx1"/>
-                  </a:gs>
-                  <a:gs pos="30000">
-                    <a:schemeClr val="tx1"/>
-                  </a:gs>
-                </a:gsLst>
-                <a:lin ang="5400000" scaled="0"/>
-              </a:gradFill>
-            </a:endParaRPr>
-          </a:p>
-          <a:p>
-            <a:pPr marL="457200" indent="-457200">
-              <a:buFont typeface="+mj-lt"/>
-              <a:buAutoNum type="arabicPeriod"/>
-            </a:pPr>
-            <a:endParaRPr lang="en-US" sz="1800">
-              <a:gradFill>
-                <a:gsLst>
-                  <a:gs pos="2917">
-                    <a:schemeClr val="tx1"/>
-                  </a:gs>
-                  <a:gs pos="30000">
-                    <a:schemeClr val="tx1"/>
-                  </a:gs>
-                </a:gsLst>
-                <a:lin ang="5400000" scaled="0"/>
-              </a:gradFill>
-            </a:endParaRPr>
-          </a:p>
-          <a:p>
-            <a:pPr marL="457200" indent="-457200">
-              <a:buFont typeface="+mj-lt"/>
-              <a:buAutoNum type="arabicPeriod"/>
-            </a:pPr>
-            <a:r>
-              <a:rPr lang="en-US" sz="1800">
-                <a:gradFill>
-                  <a:gsLst>
-                    <a:gs pos="2917">
-                      <a:schemeClr val="tx1"/>
-                    </a:gs>
-                    <a:gs pos="30000">
-                      <a:schemeClr val="tx1"/>
-                    </a:gs>
-                  </a:gsLst>
-                  <a:lin ang="5400000" scaled="0"/>
-                </a:gradFill>
-              </a:rPr>
-              <a:t>Paste it into the Azure Blob Storage URL </a:t>
-            </a:r>
-          </a:p>
-          <a:p>
-            <a:pPr marL="457200" indent="-457200">
-              <a:buFont typeface="+mj-lt"/>
-              <a:buAutoNum type="arabicPeriod"/>
-            </a:pPr>
-            <a:endParaRPr lang="en-US" sz="1800">
-              <a:gradFill>
-                <a:gsLst>
-                  <a:gs pos="2917">
-                    <a:schemeClr val="tx1"/>
-                  </a:gs>
-                  <a:gs pos="30000">
-                    <a:schemeClr val="tx1"/>
-                  </a:gs>
-                </a:gsLst>
-                <a:lin ang="5400000" scaled="0"/>
-              </a:gradFill>
-            </a:endParaRPr>
-          </a:p>
-        </p:txBody>
-      </p:sp>
-      <p:pic>
-        <p:nvPicPr>
-          <p:cNvPr id="10" name="Picture 9" descr="You point PowerBi to the Azure Storage by the URL provided to the Storage Account Blob Service">
-            <a:extLst>
-              <a:ext uri="{FF2B5EF4-FFF2-40B4-BE49-F238E27FC236}">
-                <a16:creationId xmlns:a16="http://schemas.microsoft.com/office/drawing/2014/main" id="{6DEE1A40-1157-467D-9D73-AFF67DBA9FED}"/>
-              </a:ext>
-            </a:extLst>
-          </p:cNvPr>
-          <p:cNvPicPr>
-            <a:picLocks noChangeAspect="1"/>
-          </p:cNvPicPr>
-          <p:nvPr/>
-        </p:nvPicPr>
-        <p:blipFill>
-          <a:blip r:embed="rId3"/>
-          <a:stretch>
-            <a:fillRect/>
-          </a:stretch>
-        </p:blipFill>
-        <p:spPr>
-          <a:xfrm>
-            <a:off x="6507165" y="3025170"/>
-            <a:ext cx="5558480" cy="1876229"/>
-          </a:xfrm>
-          <a:prstGeom prst="rect">
-            <a:avLst/>
-          </a:prstGeom>
-          <a:ln>
-            <a:solidFill>
-              <a:schemeClr val="accent1"/>
-            </a:solidFill>
-          </a:ln>
-        </p:spPr>
-      </p:pic>
-      <p:pic>
-        <p:nvPicPr>
-          <p:cNvPr id="17" name="Picture 16" descr="When importing the runbook CSV files of Intune data to PowerBi, from the Get Data menu, select Azure and then Azure Blob Storage">
-            <a:extLst>
-              <a:ext uri="{FF2B5EF4-FFF2-40B4-BE49-F238E27FC236}">
-                <a16:creationId xmlns:a16="http://schemas.microsoft.com/office/drawing/2014/main" id="{A428D286-A241-4FB0-9EBC-CD365F387F71}"/>
-              </a:ext>
-            </a:extLst>
-          </p:cNvPr>
-          <p:cNvPicPr>
-            <a:picLocks noChangeAspect="1"/>
-          </p:cNvPicPr>
-          <p:nvPr/>
-        </p:nvPicPr>
-        <p:blipFill>
-          <a:blip r:embed="rId4"/>
-          <a:stretch>
-            <a:fillRect/>
-          </a:stretch>
-        </p:blipFill>
-        <p:spPr>
-          <a:xfrm>
-            <a:off x="6507165" y="1344322"/>
-            <a:ext cx="3611879" cy="1520620"/>
-          </a:xfrm>
-          <a:prstGeom prst="rect">
-            <a:avLst/>
-          </a:prstGeom>
-          <a:ln>
-            <a:solidFill>
-              <a:schemeClr val="accent1"/>
-            </a:solidFill>
-          </a:ln>
-        </p:spPr>
-      </p:pic>
-      <p:pic>
-        <p:nvPicPr>
-          <p:cNvPr id="19" name="Picture 18" descr="The Blob storage is the HTTP Endpoint used by PowerBI to pull the data from the Azure Storage account">
-            <a:extLst>
-              <a:ext uri="{FF2B5EF4-FFF2-40B4-BE49-F238E27FC236}">
-                <a16:creationId xmlns:a16="http://schemas.microsoft.com/office/drawing/2014/main" id="{35D08E9B-C5F0-4C40-881A-C1CA82C439EF}"/>
-              </a:ext>
-            </a:extLst>
-          </p:cNvPr>
-          <p:cNvPicPr>
-            <a:picLocks noChangeAspect="1"/>
-          </p:cNvPicPr>
-          <p:nvPr/>
-        </p:nvPicPr>
-        <p:blipFill>
-          <a:blip r:embed="rId5"/>
-          <a:stretch>
-            <a:fillRect/>
-          </a:stretch>
-        </p:blipFill>
-        <p:spPr>
-          <a:xfrm>
-            <a:off x="6507165" y="5063084"/>
-            <a:ext cx="3971925" cy="1247775"/>
-          </a:xfrm>
-          <a:prstGeom prst="rect">
-            <a:avLst/>
-          </a:prstGeom>
-          <a:ln>
-            <a:solidFill>
-              <a:schemeClr val="accent1"/>
-            </a:solidFill>
-          </a:ln>
-        </p:spPr>
-      </p:pic>
-    </p:spTree>
-    <p:extLst>
-      <p:ext uri="{BB962C8B-B14F-4D97-AF65-F5344CB8AC3E}">
-        <p14:creationId xmlns:p14="http://schemas.microsoft.com/office/powerpoint/2010/main" val="2060438244"/>
-      </p:ext>
-    </p:extLst>
-  </p:cSld>
-  <p:clrMapOvr>
-    <a:masterClrMapping/>
-  </p:clrMapOvr>
-  <mc:AlternateContent xmlns:mc="http://schemas.openxmlformats.org/markup-compatibility/2006" xmlns:p14="http://schemas.microsoft.com/office/powerpoint/2010/main">
-    <mc:Choice Requires="p14">
-      <p:transition spd="med" p14:dur="700">
-        <p:fade/>
-      </p:transition>
-    </mc:Choice>
-    <mc:Fallback xmlns="">
-      <p:transition spd="med">
-        <p:fade/>
-      </p:transition>
-    </mc:Fallback>
-  </mc:AlternateContent>
-</p:sld>
-</file>
-
 <file path=ppt/slides/slide2.xml><?xml version="1.0" encoding="utf-8"?>
 <p:sld xmlns:a="http://schemas.openxmlformats.org/drawingml/2006/main" xmlns:r="http://schemas.openxmlformats.org/officeDocument/2006/relationships" xmlns:p="http://schemas.openxmlformats.org/presentationml/2006/main">
   <p:cSld>
@@ -11050,7 +11557,7 @@
           <a:p>
             <a:r>
               <a:rPr lang="en-US"/>
-              <a:t>STEP 6b: Launch </a:t>
+              <a:t>STEP 6a: Launch </a:t>
             </a:r>
             <a:r>
               <a:rPr lang="en-US" err="1"/>
@@ -11078,8 +11585,8 @@
         </p:nvSpPr>
         <p:spPr>
           <a:xfrm>
-            <a:off x="798126" y="1735318"/>
-            <a:ext cx="3987884" cy="3046988"/>
+            <a:off x="798125" y="1735318"/>
+            <a:ext cx="5369211" cy="3877985"/>
           </a:xfrm>
           <a:prstGeom prst="rect">
             <a:avLst/>
@@ -11094,7 +11601,7 @@
           <a:p>
             <a:pPr marL="457200" indent="-457200">
               <a:buFont typeface="+mj-lt"/>
-              <a:buAutoNum type="arabicPeriod" startAt="4"/>
+              <a:buAutoNum type="arabicPeriod"/>
             </a:pPr>
             <a:r>
               <a:rPr lang="en-US" sz="1800">
@@ -11110,13 +11617,13 @@
                   <a:lin ang="5400000" scaled="0"/>
                 </a:gradFill>
               </a:rPr>
-              <a:t>Get the Access Key</a:t>
+              <a:t>From PowerBI/Get Data – select Azure Blob</a:t>
             </a:r>
           </a:p>
           <a:p>
             <a:pPr marL="457200" indent="-457200">
               <a:buFont typeface="+mj-lt"/>
-              <a:buAutoNum type="arabicPeriod" startAt="4"/>
+              <a:buAutoNum type="arabicPeriod"/>
             </a:pPr>
             <a:endParaRPr lang="en-US" sz="1800">
               <a:gradFill>
@@ -11135,7 +11642,7 @@
           <a:p>
             <a:pPr marL="457200" indent="-457200">
               <a:buFont typeface="+mj-lt"/>
-              <a:buAutoNum type="arabicPeriod" startAt="4"/>
+              <a:buAutoNum type="arabicPeriod"/>
             </a:pPr>
             <a:endParaRPr lang="en-US" sz="1800">
               <a:gradFill>
@@ -11154,7 +11661,7 @@
           <a:p>
             <a:pPr marL="457200" indent="-457200">
               <a:buFont typeface="+mj-lt"/>
-              <a:buAutoNum type="arabicPeriod" startAt="4"/>
+              <a:buAutoNum type="arabicPeriod"/>
             </a:pPr>
             <a:endParaRPr lang="en-US" sz="1800">
               <a:gradFill>
@@ -11173,7 +11680,7 @@
           <a:p>
             <a:pPr marL="457200" indent="-457200">
               <a:buFont typeface="+mj-lt"/>
-              <a:buAutoNum type="arabicPeriod" startAt="4"/>
+              <a:buAutoNum type="arabicPeriod"/>
             </a:pPr>
             <a:endParaRPr lang="en-US" sz="1800">
               <a:gradFill>
@@ -11192,7 +11699,7 @@
           <a:p>
             <a:pPr marL="457200" indent="-457200">
               <a:buFont typeface="+mj-lt"/>
-              <a:buAutoNum type="arabicPeriod" startAt="4"/>
+              <a:buAutoNum type="arabicPeriod"/>
             </a:pPr>
             <a:endParaRPr lang="en-US" sz="1800">
               <a:gradFill>
@@ -11211,7 +11718,29 @@
           <a:p>
             <a:pPr marL="457200" indent="-457200">
               <a:buFont typeface="+mj-lt"/>
-              <a:buAutoNum type="arabicPeriod" startAt="4"/>
+              <a:buAutoNum type="arabicPeriod"/>
+            </a:pPr>
+            <a:r>
+              <a:rPr lang="en-US" sz="1800">
+                <a:gradFill>
+                  <a:gsLst>
+                    <a:gs pos="2917">
+                      <a:schemeClr val="tx1"/>
+                    </a:gs>
+                    <a:gs pos="30000">
+                      <a:schemeClr val="tx1"/>
+                    </a:gs>
+                  </a:gsLst>
+                  <a:lin ang="5400000" scaled="0"/>
+                </a:gradFill>
+              </a:rPr>
+              <a:t>Get the Azure Blob Storage Account Endpoint</a:t>
+            </a:r>
+          </a:p>
+          <a:p>
+            <a:pPr marL="457200" indent="-457200">
+              <a:buFont typeface="+mj-lt"/>
+              <a:buAutoNum type="arabicPeriod"/>
             </a:pPr>
             <a:endParaRPr lang="en-US" sz="1800">
               <a:gradFill>
@@ -11230,7 +11759,7 @@
           <a:p>
             <a:pPr marL="457200" indent="-457200">
               <a:buFont typeface="+mj-lt"/>
-              <a:buAutoNum type="arabicPeriod" startAt="4"/>
+              <a:buAutoNum type="arabicPeriod"/>
             </a:pPr>
             <a:endParaRPr lang="en-US" sz="1800">
               <a:gradFill>
@@ -11249,7 +11778,7 @@
           <a:p>
             <a:pPr marL="457200" indent="-457200">
               <a:buFont typeface="+mj-lt"/>
-              <a:buAutoNum type="arabicPeriod" startAt="4"/>
+              <a:buAutoNum type="arabicPeriod"/>
             </a:pPr>
             <a:endParaRPr lang="en-US" sz="1800">
               <a:gradFill>
@@ -11268,7 +11797,45 @@
           <a:p>
             <a:pPr marL="457200" indent="-457200">
               <a:buFont typeface="+mj-lt"/>
-              <a:buAutoNum type="arabicPeriod" startAt="4"/>
+              <a:buAutoNum type="arabicPeriod"/>
+            </a:pPr>
+            <a:endParaRPr lang="en-US" sz="1800">
+              <a:gradFill>
+                <a:gsLst>
+                  <a:gs pos="2917">
+                    <a:schemeClr val="tx1"/>
+                  </a:gs>
+                  <a:gs pos="30000">
+                    <a:schemeClr val="tx1"/>
+                  </a:gs>
+                </a:gsLst>
+                <a:lin ang="5400000" scaled="0"/>
+              </a:gradFill>
+            </a:endParaRPr>
+          </a:p>
+          <a:p>
+            <a:pPr marL="457200" indent="-457200">
+              <a:buFont typeface="+mj-lt"/>
+              <a:buAutoNum type="arabicPeriod"/>
+            </a:pPr>
+            <a:endParaRPr lang="en-US" sz="1800">
+              <a:gradFill>
+                <a:gsLst>
+                  <a:gs pos="2917">
+                    <a:schemeClr val="tx1"/>
+                  </a:gs>
+                  <a:gs pos="30000">
+                    <a:schemeClr val="tx1"/>
+                  </a:gs>
+                </a:gsLst>
+                <a:lin ang="5400000" scaled="0"/>
+              </a:gradFill>
+            </a:endParaRPr>
+          </a:p>
+          <a:p>
+            <a:pPr marL="457200" indent="-457200">
+              <a:buFont typeface="+mj-lt"/>
+              <a:buAutoNum type="arabicPeriod"/>
             </a:pPr>
             <a:r>
               <a:rPr lang="en-US" sz="1800">
@@ -11284,17 +11851,36 @@
                   <a:lin ang="5400000" scaled="0"/>
                 </a:gradFill>
               </a:rPr>
-              <a:t>Paste the access key into PowerBI and click “Connect”</a:t>
-            </a:r>
+              <a:t>Paste it into the Azure Blob Storage URL </a:t>
+            </a:r>
+          </a:p>
+          <a:p>
+            <a:pPr marL="457200" indent="-457200">
+              <a:buFont typeface="+mj-lt"/>
+              <a:buAutoNum type="arabicPeriod"/>
+            </a:pPr>
+            <a:endParaRPr lang="en-US" sz="1800">
+              <a:gradFill>
+                <a:gsLst>
+                  <a:gs pos="2917">
+                    <a:schemeClr val="tx1"/>
+                  </a:gs>
+                  <a:gs pos="30000">
+                    <a:schemeClr val="tx1"/>
+                  </a:gs>
+                </a:gsLst>
+                <a:lin ang="5400000" scaled="0"/>
+              </a:gradFill>
+            </a:endParaRPr>
           </a:p>
         </p:txBody>
       </p:sp>
       <p:pic>
         <p:nvPicPr>
-          <p:cNvPr id="6" name="Picture 5" descr="Once you know the Azure Blob Storage URL, You will need to provide an Access Key to be able to connect to and read the data">
+          <p:cNvPr id="10" name="Picture 9" descr="You point PowerBi to the Azure Storage by the URL provided to the Storage Account Blob Service">
             <a:extLst>
               <a:ext uri="{FF2B5EF4-FFF2-40B4-BE49-F238E27FC236}">
-                <a16:creationId xmlns:a16="http://schemas.microsoft.com/office/drawing/2014/main" id="{9EB5E289-1B1F-4AC2-8E9E-E857B71F6ADA}"/>
+                <a16:creationId xmlns:a16="http://schemas.microsoft.com/office/drawing/2014/main" id="{6DEE1A40-1157-467D-9D73-AFF67DBA9FED}"/>
               </a:ext>
             </a:extLst>
           </p:cNvPr>
@@ -11311,8 +11897,8 @@
         </p:blipFill>
         <p:spPr>
           <a:xfrm>
-            <a:off x="4951379" y="1247162"/>
-            <a:ext cx="6085243" cy="2400818"/>
+            <a:off x="6507165" y="3025170"/>
+            <a:ext cx="5558480" cy="1876229"/>
           </a:xfrm>
           <a:prstGeom prst="rect">
             <a:avLst/>
@@ -11326,10 +11912,10 @@
       </p:pic>
       <p:pic>
         <p:nvPicPr>
-          <p:cNvPr id="8" name="Picture 7" descr="Just paste the Access Key into the PowerBi GetData form and click connect">
+          <p:cNvPr id="17" name="Picture 16" descr="When importing the runbook CSV files of Intune data to PowerBi, from the Get Data menu, select Azure and then Azure Blob Storage">
             <a:extLst>
               <a:ext uri="{FF2B5EF4-FFF2-40B4-BE49-F238E27FC236}">
-                <a16:creationId xmlns:a16="http://schemas.microsoft.com/office/drawing/2014/main" id="{E31E7D02-D23C-4918-9676-A6778EF4332E}"/>
+                <a16:creationId xmlns:a16="http://schemas.microsoft.com/office/drawing/2014/main" id="{A428D286-A241-4FB0-9EBC-CD365F387F71}"/>
               </a:ext>
             </a:extLst>
           </p:cNvPr>
@@ -11346,18 +11932,58 @@
         </p:blipFill>
         <p:spPr>
           <a:xfrm>
-            <a:off x="4951378" y="3794004"/>
-            <a:ext cx="6085243" cy="2118720"/>
-          </a:xfrm>
-          <a:prstGeom prst="rect">
-            <a:avLst/>
-          </a:prstGeom>
+            <a:off x="6507165" y="1344322"/>
+            <a:ext cx="3611879" cy="1520620"/>
+          </a:xfrm>
+          <a:prstGeom prst="rect">
+            <a:avLst/>
+          </a:prstGeom>
+          <a:ln>
+            <a:solidFill>
+              <a:schemeClr val="accent1"/>
+            </a:solidFill>
+          </a:ln>
+        </p:spPr>
+      </p:pic>
+      <p:pic>
+        <p:nvPicPr>
+          <p:cNvPr id="19" name="Picture 18" descr="The Blob storage is the HTTP Endpoint used by PowerBI to pull the data from the Azure Storage account">
+            <a:extLst>
+              <a:ext uri="{FF2B5EF4-FFF2-40B4-BE49-F238E27FC236}">
+                <a16:creationId xmlns:a16="http://schemas.microsoft.com/office/drawing/2014/main" id="{35D08E9B-C5F0-4C40-881A-C1CA82C439EF}"/>
+              </a:ext>
+            </a:extLst>
+          </p:cNvPr>
+          <p:cNvPicPr>
+            <a:picLocks noChangeAspect="1"/>
+          </p:cNvPicPr>
+          <p:nvPr/>
+        </p:nvPicPr>
+        <p:blipFill>
+          <a:blip r:embed="rId5"/>
+          <a:stretch>
+            <a:fillRect/>
+          </a:stretch>
+        </p:blipFill>
+        <p:spPr>
+          <a:xfrm>
+            <a:off x="6507165" y="5063084"/>
+            <a:ext cx="3971925" cy="1247775"/>
+          </a:xfrm>
+          <a:prstGeom prst="rect">
+            <a:avLst/>
+          </a:prstGeom>
+          <a:ln>
+            <a:solidFill>
+              <a:schemeClr val="accent1"/>
+            </a:solidFill>
+          </a:ln>
         </p:spPr>
       </p:pic>
     </p:spTree>
     <p:extLst>
       <p:ext uri="{BB962C8B-B14F-4D97-AF65-F5344CB8AC3E}">
-        <p14:creationId xmlns:p14="http://schemas.microsoft.com/office/powerpoint/2010/main" val="3018409089"/>
+        <p14:creationId xmlns:p14="http://schemas.microsoft.com/office/powerpoint/2010/main" val="2060438244"/>
       </p:ext>
     </p:extLst>
   </p:cSld>
@@ -11398,6 +12024,376 @@
       </p:grpSpPr>
       <p:sp>
         <p:nvSpPr>
+          <p:cNvPr id="2" name="Title 1"/>
+          <p:cNvSpPr>
+            <a:spLocks noGrp="1"/>
+          </p:cNvSpPr>
+          <p:nvPr>
+            <p:ph type="title"/>
+          </p:nvPr>
+        </p:nvSpPr>
+        <p:spPr>
+          <a:xfrm>
+            <a:off x="798125" y="547141"/>
+            <a:ext cx="11021125" cy="553998"/>
+          </a:xfrm>
+        </p:spPr>
+        <p:txBody>
+          <a:bodyPr>
+            <a:normAutofit/>
+          </a:bodyPr>
+          <a:lstStyle/>
+          <a:p>
+            <a:r>
+              <a:rPr lang="en-US"/>
+              <a:t>STEP 6b: Launch </a:t>
+            </a:r>
+            <a:r>
+              <a:rPr lang="en-US" err="1"/>
+              <a:t>PowerBI</a:t>
+            </a:r>
+            <a:r>
+              <a:rPr lang="en-US"/>
+              <a:t> Desktop and Get Data</a:t>
+            </a:r>
+            <a:endParaRPr lang="en-US" sz="2000"/>
+          </a:p>
+        </p:txBody>
+      </p:sp>
+      <p:sp>
+        <p:nvSpPr>
+          <p:cNvPr id="11" name="TextBox 10">
+            <a:extLst>
+              <a:ext uri="{FF2B5EF4-FFF2-40B4-BE49-F238E27FC236}">
+                <a16:creationId xmlns:a16="http://schemas.microsoft.com/office/drawing/2014/main" id="{F5710D38-EE7A-4C4E-A1DE-FB77610F6FE4}"/>
+              </a:ext>
+            </a:extLst>
+          </p:cNvPr>
+          <p:cNvSpPr txBox="1"/>
+          <p:nvPr/>
+        </p:nvSpPr>
+        <p:spPr>
+          <a:xfrm>
+            <a:off x="798126" y="1735318"/>
+            <a:ext cx="3987884" cy="3046988"/>
+          </a:xfrm>
+          <a:prstGeom prst="rect">
+            <a:avLst/>
+          </a:prstGeom>
+          <a:noFill/>
+        </p:spPr>
+        <p:txBody>
+          <a:bodyPr wrap="square" lIns="0" tIns="0" rIns="0" bIns="0" rtlCol="0" anchor="t">
+            <a:spAutoFit/>
+          </a:bodyPr>
+          <a:lstStyle/>
+          <a:p>
+            <a:pPr marL="457200" indent="-457200">
+              <a:buFont typeface="+mj-lt"/>
+              <a:buAutoNum type="arabicPeriod" startAt="4"/>
+            </a:pPr>
+            <a:r>
+              <a:rPr lang="en-US" sz="1800">
+                <a:gradFill>
+                  <a:gsLst>
+                    <a:gs pos="2917">
+                      <a:schemeClr val="tx1"/>
+                    </a:gs>
+                    <a:gs pos="30000">
+                      <a:schemeClr val="tx1"/>
+                    </a:gs>
+                  </a:gsLst>
+                  <a:lin ang="5400000" scaled="0"/>
+                </a:gradFill>
+              </a:rPr>
+              <a:t>Get the Access Key</a:t>
+            </a:r>
+          </a:p>
+          <a:p>
+            <a:pPr marL="457200" indent="-457200">
+              <a:buFont typeface="+mj-lt"/>
+              <a:buAutoNum type="arabicPeriod" startAt="4"/>
+            </a:pPr>
+            <a:endParaRPr lang="en-US" sz="1800">
+              <a:gradFill>
+                <a:gsLst>
+                  <a:gs pos="2917">
+                    <a:schemeClr val="tx1"/>
+                  </a:gs>
+                  <a:gs pos="30000">
+                    <a:schemeClr val="tx1"/>
+                  </a:gs>
+                </a:gsLst>
+                <a:lin ang="5400000" scaled="0"/>
+              </a:gradFill>
+            </a:endParaRPr>
+          </a:p>
+          <a:p>
+            <a:pPr marL="457200" indent="-457200">
+              <a:buFont typeface="+mj-lt"/>
+              <a:buAutoNum type="arabicPeriod" startAt="4"/>
+            </a:pPr>
+            <a:endParaRPr lang="en-US" sz="1800">
+              <a:gradFill>
+                <a:gsLst>
+                  <a:gs pos="2917">
+                    <a:schemeClr val="tx1"/>
+                  </a:gs>
+                  <a:gs pos="30000">
+                    <a:schemeClr val="tx1"/>
+                  </a:gs>
+                </a:gsLst>
+                <a:lin ang="5400000" scaled="0"/>
+              </a:gradFill>
+            </a:endParaRPr>
+          </a:p>
+          <a:p>
+            <a:pPr marL="457200" indent="-457200">
+              <a:buFont typeface="+mj-lt"/>
+              <a:buAutoNum type="arabicPeriod" startAt="4"/>
+            </a:pPr>
+            <a:endParaRPr lang="en-US" sz="1800">
+              <a:gradFill>
+                <a:gsLst>
+                  <a:gs pos="2917">
+                    <a:schemeClr val="tx1"/>
+                  </a:gs>
+                  <a:gs pos="30000">
+                    <a:schemeClr val="tx1"/>
+                  </a:gs>
+                </a:gsLst>
+                <a:lin ang="5400000" scaled="0"/>
+              </a:gradFill>
+            </a:endParaRPr>
+          </a:p>
+          <a:p>
+            <a:pPr marL="457200" indent="-457200">
+              <a:buFont typeface="+mj-lt"/>
+              <a:buAutoNum type="arabicPeriod" startAt="4"/>
+            </a:pPr>
+            <a:endParaRPr lang="en-US" sz="1800">
+              <a:gradFill>
+                <a:gsLst>
+                  <a:gs pos="2917">
+                    <a:schemeClr val="tx1"/>
+                  </a:gs>
+                  <a:gs pos="30000">
+                    <a:schemeClr val="tx1"/>
+                  </a:gs>
+                </a:gsLst>
+                <a:lin ang="5400000" scaled="0"/>
+              </a:gradFill>
+            </a:endParaRPr>
+          </a:p>
+          <a:p>
+            <a:pPr marL="457200" indent="-457200">
+              <a:buFont typeface="+mj-lt"/>
+              <a:buAutoNum type="arabicPeriod" startAt="4"/>
+            </a:pPr>
+            <a:endParaRPr lang="en-US" sz="1800">
+              <a:gradFill>
+                <a:gsLst>
+                  <a:gs pos="2917">
+                    <a:schemeClr val="tx1"/>
+                  </a:gs>
+                  <a:gs pos="30000">
+                    <a:schemeClr val="tx1"/>
+                  </a:gs>
+                </a:gsLst>
+                <a:lin ang="5400000" scaled="0"/>
+              </a:gradFill>
+            </a:endParaRPr>
+          </a:p>
+          <a:p>
+            <a:pPr marL="457200" indent="-457200">
+              <a:buFont typeface="+mj-lt"/>
+              <a:buAutoNum type="arabicPeriod" startAt="4"/>
+            </a:pPr>
+            <a:endParaRPr lang="en-US" sz="1800">
+              <a:gradFill>
+                <a:gsLst>
+                  <a:gs pos="2917">
+                    <a:schemeClr val="tx1"/>
+                  </a:gs>
+                  <a:gs pos="30000">
+                    <a:schemeClr val="tx1"/>
+                  </a:gs>
+                </a:gsLst>
+                <a:lin ang="5400000" scaled="0"/>
+              </a:gradFill>
+            </a:endParaRPr>
+          </a:p>
+          <a:p>
+            <a:pPr marL="457200" indent="-457200">
+              <a:buFont typeface="+mj-lt"/>
+              <a:buAutoNum type="arabicPeriod" startAt="4"/>
+            </a:pPr>
+            <a:endParaRPr lang="en-US" sz="1800">
+              <a:gradFill>
+                <a:gsLst>
+                  <a:gs pos="2917">
+                    <a:schemeClr val="tx1"/>
+                  </a:gs>
+                  <a:gs pos="30000">
+                    <a:schemeClr val="tx1"/>
+                  </a:gs>
+                </a:gsLst>
+                <a:lin ang="5400000" scaled="0"/>
+              </a:gradFill>
+            </a:endParaRPr>
+          </a:p>
+          <a:p>
+            <a:pPr marL="457200" indent="-457200">
+              <a:buFont typeface="+mj-lt"/>
+              <a:buAutoNum type="arabicPeriod" startAt="4"/>
+            </a:pPr>
+            <a:endParaRPr lang="en-US" sz="1800">
+              <a:gradFill>
+                <a:gsLst>
+                  <a:gs pos="2917">
+                    <a:schemeClr val="tx1"/>
+                  </a:gs>
+                  <a:gs pos="30000">
+                    <a:schemeClr val="tx1"/>
+                  </a:gs>
+                </a:gsLst>
+                <a:lin ang="5400000" scaled="0"/>
+              </a:gradFill>
+            </a:endParaRPr>
+          </a:p>
+          <a:p>
+            <a:pPr marL="457200" indent="-457200">
+              <a:buFont typeface="+mj-lt"/>
+              <a:buAutoNum type="arabicPeriod" startAt="4"/>
+            </a:pPr>
+            <a:r>
+              <a:rPr lang="en-US" sz="1800">
+                <a:gradFill>
+                  <a:gsLst>
+                    <a:gs pos="2917">
+                      <a:schemeClr val="tx1"/>
+                    </a:gs>
+                    <a:gs pos="30000">
+                      <a:schemeClr val="tx1"/>
+                    </a:gs>
+                  </a:gsLst>
+                  <a:lin ang="5400000" scaled="0"/>
+                </a:gradFill>
+              </a:rPr>
+              <a:t>Paste the access key into PowerBI and click “Connect”</a:t>
+            </a:r>
+          </a:p>
+        </p:txBody>
+      </p:sp>
+      <p:pic>
+        <p:nvPicPr>
+          <p:cNvPr id="6" name="Picture 5" descr="Once you know the Azure Blob Storage URL, You will need to provide an Access Key to be able to connect to and read the data">
+            <a:extLst>
+              <a:ext uri="{FF2B5EF4-FFF2-40B4-BE49-F238E27FC236}">
+                <a16:creationId xmlns:a16="http://schemas.microsoft.com/office/drawing/2014/main" id="{9EB5E289-1B1F-4AC2-8E9E-E857B71F6ADA}"/>
+              </a:ext>
+            </a:extLst>
+          </p:cNvPr>
+          <p:cNvPicPr>
+            <a:picLocks noChangeAspect="1"/>
+          </p:cNvPicPr>
+          <p:nvPr/>
+        </p:nvPicPr>
+        <p:blipFill>
+          <a:blip r:embed="rId3"/>
+          <a:stretch>
+            <a:fillRect/>
+          </a:stretch>
+        </p:blipFill>
+        <p:spPr>
+          <a:xfrm>
+            <a:off x="4951379" y="1247162"/>
+            <a:ext cx="6085243" cy="2400818"/>
+          </a:xfrm>
+          <a:prstGeom prst="rect">
+            <a:avLst/>
+          </a:prstGeom>
+          <a:ln>
+            <a:solidFill>
+              <a:schemeClr val="accent1"/>
+            </a:solidFill>
+          </a:ln>
+        </p:spPr>
+      </p:pic>
+      <p:pic>
+        <p:nvPicPr>
+          <p:cNvPr id="8" name="Picture 7" descr="Just paste the Access Key into the PowerBi GetData form and click connect">
+            <a:extLst>
+              <a:ext uri="{FF2B5EF4-FFF2-40B4-BE49-F238E27FC236}">
+                <a16:creationId xmlns:a16="http://schemas.microsoft.com/office/drawing/2014/main" id="{E31E7D02-D23C-4918-9676-A6778EF4332E}"/>
+              </a:ext>
+            </a:extLst>
+          </p:cNvPr>
+          <p:cNvPicPr>
+            <a:picLocks noChangeAspect="1"/>
+          </p:cNvPicPr>
+          <p:nvPr/>
+        </p:nvPicPr>
+        <p:blipFill>
+          <a:blip r:embed="rId4"/>
+          <a:stretch>
+            <a:fillRect/>
+          </a:stretch>
+        </p:blipFill>
+        <p:spPr>
+          <a:xfrm>
+            <a:off x="4951378" y="3794004"/>
+            <a:ext cx="6085243" cy="2118720"/>
+          </a:xfrm>
+          <a:prstGeom prst="rect">
+            <a:avLst/>
+          </a:prstGeom>
+        </p:spPr>
+      </p:pic>
+    </p:spTree>
+    <p:extLst>
+      <p:ext uri="{BB962C8B-B14F-4D97-AF65-F5344CB8AC3E}">
+        <p14:creationId xmlns:p14="http://schemas.microsoft.com/office/powerpoint/2010/main" val="3018409089"/>
+      </p:ext>
+    </p:extLst>
+  </p:cSld>
+  <p:clrMapOvr>
+    <a:masterClrMapping/>
+  </p:clrMapOvr>
+  <mc:AlternateContent xmlns:mc="http://schemas.openxmlformats.org/markup-compatibility/2006" xmlns:p14="http://schemas.microsoft.com/office/powerpoint/2010/main">
+    <mc:Choice Requires="p14">
+      <p:transition spd="med" p14:dur="700">
+        <p:fade/>
+      </p:transition>
+    </mc:Choice>
+    <mc:Fallback xmlns="">
+      <p:transition spd="med">
+        <p:fade/>
+      </p:transition>
+    </mc:Fallback>
+  </mc:AlternateContent>
+</p:sld>
+</file>
+
+<file path=ppt/slides/slide22.xml><?xml version="1.0" encoding="utf-8"?>
+<p:sld xmlns:a="http://schemas.openxmlformats.org/drawingml/2006/main" xmlns:r="http://schemas.openxmlformats.org/officeDocument/2006/relationships" xmlns:p="http://schemas.openxmlformats.org/presentationml/2006/main">
+  <p:cSld>
+    <p:spTree>
+      <p:nvGrpSpPr>
+        <p:cNvPr id="1" name=""/>
+        <p:cNvGrpSpPr/>
+        <p:nvPr/>
+      </p:nvGrpSpPr>
+      <p:grpSpPr>
+        <a:xfrm>
+          <a:off x="0" y="0"/>
+          <a:ext cx="0" cy="0"/>
+          <a:chOff x="0" y="0"/>
+          <a:chExt cx="0" cy="0"/>
+        </a:xfrm>
+      </p:grpSpPr>
+      <p:sp>
+        <p:nvSpPr>
           <p:cNvPr id="2" name="Title 1">
             <a:extLst>
               <a:ext uri="{FF2B5EF4-FFF2-40B4-BE49-F238E27FC236}">
@@ -11578,7 +12574,7 @@
 </p:sld>
 </file>
 
-<file path=ppt/slides/slide22.xml><?xml version="1.0" encoding="utf-8"?>
+<file path=ppt/slides/slide23.xml><?xml version="1.0" encoding="utf-8"?>
 <p:sld xmlns:a="http://schemas.openxmlformats.org/drawingml/2006/main" xmlns:r="http://schemas.openxmlformats.org/officeDocument/2006/relationships" xmlns:p="http://schemas.openxmlformats.org/presentationml/2006/main">
   <p:cSld>
     <p:spTree>
@@ -12307,13 +13303,13 @@
   <p:clrMapOvr>
     <a:masterClrMapping/>
   </p:clrMapOvr>
-  <mc:AlternateContent xmlns:mc="http://schemas.openxmlformats.org/markup-compatibility/2006">
-    <mc:Choice xmlns:p14="http://schemas.microsoft.com/office/powerpoint/2010/main" Requires="p14">
+  <mc:AlternateContent xmlns:mc="http://schemas.openxmlformats.org/markup-compatibility/2006" xmlns:p14="http://schemas.microsoft.com/office/powerpoint/2010/main">
+    <mc:Choice Requires="p14">
       <p:transition spd="med" p14:dur="700">
         <p:fade/>
       </p:transition>
     </mc:Choice>
-    <mc:Fallback>
+    <mc:Fallback xmlns="">
       <p:transition spd="med">
         <p:fade/>
       </p:transition>
@@ -13580,10 +14576,10 @@
       </p:sp>
       <p:pic>
         <p:nvPicPr>
-          <p:cNvPr id="8" name="Picture 7" descr="Example: Create a Storage Account">
+          <p:cNvPr id="4" name="Picture 3">
             <a:extLst>
               <a:ext uri="{FF2B5EF4-FFF2-40B4-BE49-F238E27FC236}">
-                <a16:creationId xmlns:a16="http://schemas.microsoft.com/office/drawing/2014/main" id="{6B338805-5C1F-41AB-B7C2-70CBCF28DF87}"/>
+                <a16:creationId xmlns:a16="http://schemas.microsoft.com/office/drawing/2014/main" id="{DEDB8408-C31A-3830-62F9-24985A1EDFD7}"/>
               </a:ext>
             </a:extLst>
           </p:cNvPr>
@@ -13600,17 +14596,12 @@
         </p:blipFill>
         <p:spPr>
           <a:xfrm>
-            <a:off x="5282953" y="1347360"/>
-            <a:ext cx="5374366" cy="5432258"/>
-          </a:xfrm>
-          <a:prstGeom prst="rect">
-            <a:avLst/>
-          </a:prstGeom>
-          <a:ln>
-            <a:solidFill>
-              <a:schemeClr val="accent1"/>
-            </a:solidFill>
-          </a:ln>
+            <a:off x="6096000" y="1295088"/>
+            <a:ext cx="5346975" cy="5156465"/>
+          </a:xfrm>
+          <a:prstGeom prst="rect">
+            <a:avLst/>
+          </a:prstGeom>
         </p:spPr>
       </p:pic>
     </p:spTree>
@@ -13946,10 +14937,10 @@
       </p:pic>
       <p:pic>
         <p:nvPicPr>
-          <p:cNvPr id="7" name="Picture 6" descr="Example showing all of the containers needed for this Spark Presentation">
+          <p:cNvPr id="10" name="Picture 9" descr="Example: Create a New Storage Account container">
             <a:extLst>
               <a:ext uri="{FF2B5EF4-FFF2-40B4-BE49-F238E27FC236}">
-                <a16:creationId xmlns:a16="http://schemas.microsoft.com/office/drawing/2014/main" id="{1E0BD54A-8861-4D2B-9A79-85F6875AF675}"/>
+                <a16:creationId xmlns:a16="http://schemas.microsoft.com/office/drawing/2014/main" id="{2BCE3B73-03B6-49D7-ACEA-725D367AB8DF}"/>
               </a:ext>
             </a:extLst>
           </p:cNvPr>
@@ -13966,8 +14957,8 @@
         </p:blipFill>
         <p:spPr>
           <a:xfrm>
-            <a:off x="7666167" y="1482625"/>
-            <a:ext cx="3783151" cy="4037925"/>
+            <a:off x="236550" y="2813931"/>
+            <a:ext cx="3810196" cy="1530429"/>
           </a:xfrm>
           <a:prstGeom prst="rect">
             <a:avLst/>
@@ -13981,10 +14972,10 @@
       </p:pic>
       <p:pic>
         <p:nvPicPr>
-          <p:cNvPr id="10" name="Picture 9" descr="Example: Create a New Storage Account container">
+          <p:cNvPr id="4" name="Picture 3">
             <a:extLst>
               <a:ext uri="{FF2B5EF4-FFF2-40B4-BE49-F238E27FC236}">
-                <a16:creationId xmlns:a16="http://schemas.microsoft.com/office/drawing/2014/main" id="{2BCE3B73-03B6-49D7-ACEA-725D367AB8DF}"/>
+                <a16:creationId xmlns:a16="http://schemas.microsoft.com/office/drawing/2014/main" id="{309DBCF4-85E0-A7ED-CB31-42077355B4DE}"/>
               </a:ext>
             </a:extLst>
           </p:cNvPr>
@@ -14001,17 +14992,12 @@
         </p:blipFill>
         <p:spPr>
           <a:xfrm>
-            <a:off x="236550" y="2813931"/>
-            <a:ext cx="3810196" cy="1530429"/>
-          </a:xfrm>
-          <a:prstGeom prst="rect">
-            <a:avLst/>
-          </a:prstGeom>
-          <a:ln>
-            <a:solidFill>
-              <a:schemeClr val="accent3"/>
-            </a:solidFill>
-          </a:ln>
+            <a:off x="7666167" y="1316842"/>
+            <a:ext cx="3765744" cy="3988005"/>
+          </a:xfrm>
+          <a:prstGeom prst="rect">
+            <a:avLst/>
+          </a:prstGeom>
         </p:spPr>
       </p:pic>
     </p:spTree>
@@ -14797,6 +15783,24 @@
 </file>
 
 <file path=customXml/item1.xml><?xml version="1.0" encoding="utf-8"?>
+<?mso-contentType ?>
+<FormTemplates xmlns="http://schemas.microsoft.com/sharepoint/v3/contenttype/forms">
+  <Display>DocumentLibraryForm</Display>
+  <Edit>DocumentLibraryForm</Edit>
+  <New>DocumentLibraryForm</New>
+</FormTemplates>
+</file>
+
+<file path=customXml/item2.xml><?xml version="1.0" encoding="utf-8"?>
+<p:properties xmlns:p="http://schemas.microsoft.com/office/2006/metadata/properties" xmlns:xsi="http://www.w3.org/2001/XMLSchema-instance" xmlns:pc="http://schemas.microsoft.com/office/infopath/2007/PartnerControls">
+  <documentManagement>
+    <Status xmlns="71af3243-3dd4-4a8d-8c0d-dd76da1f02a5">Not started</Status>
+    <MediaServiceKeyPoints xmlns="71af3243-3dd4-4a8d-8c0d-dd76da1f02a5" xsi:nil="true"/>
+  </documentManagement>
+</p:properties>
+</file>
+
+<file path=customXml/item3.xml><?xml version="1.0" encoding="utf-8"?>
 <ct:contentTypeSchema xmlns:ct="http://schemas.microsoft.com/office/2006/metadata/contentType" xmlns:ma="http://schemas.microsoft.com/office/2006/metadata/properties/metaAttributes" ct:_="" ma:_="" ma:contentTypeName="Document" ma:contentTypeID="0x01010079F111ED35F8CC479449609E8A0923A6" ma:contentTypeVersion="12" ma:contentTypeDescription="Create a new document." ma:contentTypeScope="" ma:versionID="a8a52e8c320b9a064ae3583ae3861c92">
   <xsd:schema xmlns:xsd="http://www.w3.org/2001/XMLSchema" xmlns:xs="http://www.w3.org/2001/XMLSchema" xmlns:p="http://schemas.microsoft.com/office/2006/metadata/properties" xmlns:ns2="71af3243-3dd4-4a8d-8c0d-dd76da1f02a5" xmlns:ns3="16c05727-aa75-4e4a-9b5f-8a80a1165891" targetNamespace="http://schemas.microsoft.com/office/2006/metadata/properties" ma:root="true" ma:fieldsID="88020cb39231a0945110f9cd888b521a" ns2:_="" ns3:_="">
     <xsd:import namespace="71af3243-3dd4-4a8d-8c0d-dd76da1f02a5"/>
@@ -15017,25 +16021,25 @@
 </ct:contentTypeSchema>
 </file>
 
-<file path=customXml/item2.xml><?xml version="1.0" encoding="utf-8"?>
-<?mso-contentType ?>
-<FormTemplates xmlns="http://schemas.microsoft.com/sharepoint/v3/contenttype/forms">
-  <Display>DocumentLibraryForm</Display>
-  <Edit>DocumentLibraryForm</Edit>
-  <New>DocumentLibraryForm</New>
-</FormTemplates>
+<file path=customXml/itemProps1.xml><?xml version="1.0" encoding="utf-8"?>
+<ds:datastoreItem xmlns:ds="http://schemas.openxmlformats.org/officeDocument/2006/customXml" ds:itemID="{7EE8C63A-4744-4DE4-BB49-0FF0B5375C60}">
+  <ds:schemaRefs>
+    <ds:schemaRef ds:uri="http://schemas.microsoft.com/sharepoint/v3/contenttype/forms"/>
+  </ds:schemaRefs>
+</ds:datastoreItem>
 </file>
 
-<file path=customXml/item3.xml><?xml version="1.0" encoding="utf-8"?>
-<p:properties xmlns:p="http://schemas.microsoft.com/office/2006/metadata/properties" xmlns:xsi="http://www.w3.org/2001/XMLSchema-instance" xmlns:pc="http://schemas.microsoft.com/office/infopath/2007/PartnerControls">
-  <documentManagement>
-    <Status xmlns="71af3243-3dd4-4a8d-8c0d-dd76da1f02a5">Not started</Status>
-    <MediaServiceKeyPoints xmlns="71af3243-3dd4-4a8d-8c0d-dd76da1f02a5" xsi:nil="true"/>
-  </documentManagement>
-</p:properties>
+<file path=customXml/itemProps2.xml><?xml version="1.0" encoding="utf-8"?>
+<ds:datastoreItem xmlns:ds="http://schemas.openxmlformats.org/officeDocument/2006/customXml" ds:itemID="{950072C5-DDE0-4258-BA7A-4D4B80DFA632}">
+  <ds:schemaRefs>
+    <ds:schemaRef ds:uri="http://schemas.microsoft.com/office/2006/metadata/properties"/>
+    <ds:schemaRef ds:uri="http://schemas.microsoft.com/office/infopath/2007/PartnerControls"/>
+    <ds:schemaRef ds:uri="71af3243-3dd4-4a8d-8c0d-dd76da1f02a5"/>
+  </ds:schemaRefs>
+</ds:datastoreItem>
 </file>
 
-<file path=customXml/itemProps1.xml><?xml version="1.0" encoding="utf-8"?>
+<file path=customXml/itemProps3.xml><?xml version="1.0" encoding="utf-8"?>
 <ds:datastoreItem xmlns:ds="http://schemas.openxmlformats.org/officeDocument/2006/customXml" ds:itemID="{FD7FC771-7DFE-49DA-B577-71181BFBCB2E}">
   <ds:schemaRefs>
     <ds:schemaRef ds:uri="http://schemas.microsoft.com/office/2006/metadata/contentType"/>
@@ -15054,24 +16058,6 @@
 </ds:datastoreItem>
 </file>
 
-<file path=customXml/itemProps2.xml><?xml version="1.0" encoding="utf-8"?>
-<ds:datastoreItem xmlns:ds="http://schemas.openxmlformats.org/officeDocument/2006/customXml" ds:itemID="{7EE8C63A-4744-4DE4-BB49-0FF0B5375C60}">
-  <ds:schemaRefs>
-    <ds:schemaRef ds:uri="http://schemas.microsoft.com/sharepoint/v3/contenttype/forms"/>
-  </ds:schemaRefs>
-</ds:datastoreItem>
-</file>
-
-<file path=customXml/itemProps3.xml><?xml version="1.0" encoding="utf-8"?>
-<ds:datastoreItem xmlns:ds="http://schemas.openxmlformats.org/officeDocument/2006/customXml" ds:itemID="{950072C5-DDE0-4258-BA7A-4D4B80DFA632}">
-  <ds:schemaRefs>
-    <ds:schemaRef ds:uri="http://schemas.microsoft.com/office/2006/metadata/properties"/>
-    <ds:schemaRef ds:uri="http://schemas.microsoft.com/office/infopath/2007/PartnerControls"/>
-    <ds:schemaRef ds:uri="71af3243-3dd4-4a8d-8c0d-dd76da1f02a5"/>
-  </ds:schemaRefs>
-</ds:datastoreItem>
-</file>
-
 <file path=docMetadata/LabelInfo.xml><?xml version="1.0" encoding="utf-8"?>
 <clbl:labelList xmlns:clbl="http://schemas.microsoft.com/office/2020/mipLabelMetadata">
   <clbl:label id="{f42aa342-8706-4288-bd11-ebb85995028c}" enabled="1" method="Standard" siteId="{72f988bf-86f1-41af-91ab-2d7cd011db47}" contentBits="0" removed="0"/>
